--- a/Requisitos/CryptoChallenger.pptx
+++ b/Requisitos/CryptoChallenger.pptx
@@ -18,7 +18,7 @@
     <p:sldId id="273" r:id="rId12"/>
     <p:sldId id="270" r:id="rId13"/>
     <p:sldId id="272" r:id="rId14"/>
-    <p:sldId id="264" r:id="rId15"/>
+    <p:sldId id="277" r:id="rId15"/>
   </p:sldIdLst>
   <p:sldSz cx="12192000" cy="6858000"/>
   <p:notesSz cx="6858000" cy="9144000"/>
@@ -155,7 +155,7 @@
         </p14:section>
         <p14:section name="Final" id="{3A7D42D5-FF39-4EF7-B469-8B4D3AF18AA8}">
           <p14:sldIdLst>
-            <p14:sldId id="264"/>
+            <p14:sldId id="277"/>
           </p14:sldIdLst>
         </p14:section>
       </p14:sectionLst>
@@ -4882,7 +4882,7 @@
         <a:p>
           <a:r>
             <a:rPr lang="pt-PT" dirty="0"/>
-            <a:t>Grafico com Historico da(s) moeda(s)</a:t>
+            <a:t>Gráfico com Histórico da(s) moeda(s)</a:t>
           </a:r>
           <a:endParaRPr lang="en-US" dirty="0"/>
         </a:p>
@@ -4922,8 +4922,8 @@
             <a:buChar char="o"/>
           </a:pPr>
           <a:r>
-            <a:rPr lang="pt-PT"/>
-            <a:t>Lucro/Prejuizo atual + Valor carteira</a:t>
+            <a:rPr lang="pt-PT" dirty="0"/>
+            <a:t>Lucro/Prejuízo atual + Valor carteira</a:t>
           </a:r>
         </a:p>
       </dgm:t>
@@ -4963,7 +4963,7 @@
           </a:pPr>
           <a:r>
             <a:rPr lang="pt-PT" dirty="0"/>
-            <a:t>Opçoes de compra das moedas</a:t>
+            <a:t>Opções de compra das moedas</a:t>
           </a:r>
         </a:p>
       </dgm:t>
@@ -4990,6 +4990,46 @@
         </a:p>
       </dgm:t>
     </dgm:pt>
+    <dgm:pt modelId="{057E84FC-604C-4289-817E-6423100FD9FF}">
+      <dgm:prSet/>
+      <dgm:spPr/>
+      <dgm:t>
+        <a:bodyPr/>
+        <a:lstStyle/>
+        <a:p>
+          <a:pPr>
+            <a:buFont typeface="Courier New" panose="02070309020205020404" pitchFamily="49" charset="0"/>
+            <a:buChar char="o"/>
+          </a:pPr>
+          <a:r>
+            <a:rPr lang="pt-PT" dirty="0"/>
+            <a:t>Timer do Jogo</a:t>
+          </a:r>
+        </a:p>
+      </dgm:t>
+    </dgm:pt>
+    <dgm:pt modelId="{17F00B76-0CE2-463F-AE88-632DC645462D}" type="parTrans" cxnId="{38DAAD73-F88F-467D-B4D8-659EC1686758}">
+      <dgm:prSet/>
+      <dgm:spPr/>
+      <dgm:t>
+        <a:bodyPr/>
+        <a:lstStyle/>
+        <a:p>
+          <a:endParaRPr lang="en-GB"/>
+        </a:p>
+      </dgm:t>
+    </dgm:pt>
+    <dgm:pt modelId="{0763E639-441F-4047-A722-952E33054C37}" type="sibTrans" cxnId="{38DAAD73-F88F-467D-B4D8-659EC1686758}">
+      <dgm:prSet/>
+      <dgm:spPr/>
+      <dgm:t>
+        <a:bodyPr/>
+        <a:lstStyle/>
+        <a:p>
+          <a:endParaRPr lang="en-GB"/>
+        </a:p>
+      </dgm:t>
+    </dgm:pt>
     <dgm:pt modelId="{4A2F43AF-69A1-45B4-8C01-9D762D669A39}" type="pres">
       <dgm:prSet presAssocID="{4C4C3845-1E83-45EB-8784-CE9538BD43B3}" presName="linear" presStyleCnt="0">
         <dgm:presLayoutVars>
@@ -5000,7 +5040,7 @@
       <dgm:spPr/>
     </dgm:pt>
     <dgm:pt modelId="{3CB57D7F-D4A4-42F3-AEE6-5847300590A1}" type="pres">
-      <dgm:prSet presAssocID="{F8532727-B304-4638-9941-7EA6149F9B2E}" presName="parentText" presStyleLbl="node1" presStyleIdx="0" presStyleCnt="3">
+      <dgm:prSet presAssocID="{F8532727-B304-4638-9941-7EA6149F9B2E}" presName="parentText" presStyleLbl="node1" presStyleIdx="0" presStyleCnt="4">
         <dgm:presLayoutVars>
           <dgm:chMax val="0"/>
           <dgm:bulletEnabled val="1"/>
@@ -5013,7 +5053,7 @@
       <dgm:spPr/>
     </dgm:pt>
     <dgm:pt modelId="{7851929C-BDDE-48A0-B0E7-825AD4DC7B0E}" type="pres">
-      <dgm:prSet presAssocID="{DD4068CA-37F4-4758-9CEC-68498C4AE0E8}" presName="parentText" presStyleLbl="node1" presStyleIdx="1" presStyleCnt="3">
+      <dgm:prSet presAssocID="{DD4068CA-37F4-4758-9CEC-68498C4AE0E8}" presName="parentText" presStyleLbl="node1" presStyleIdx="1" presStyleCnt="4">
         <dgm:presLayoutVars>
           <dgm:chMax val="0"/>
           <dgm:bulletEnabled val="1"/>
@@ -5026,7 +5066,20 @@
       <dgm:spPr/>
     </dgm:pt>
     <dgm:pt modelId="{EEA437FF-BBA9-4081-A353-8EED8A9F0744}" type="pres">
-      <dgm:prSet presAssocID="{F1A43A52-5DF8-40FF-959D-F4DB3B8907C3}" presName="parentText" presStyleLbl="node1" presStyleIdx="2" presStyleCnt="3">
+      <dgm:prSet presAssocID="{F1A43A52-5DF8-40FF-959D-F4DB3B8907C3}" presName="parentText" presStyleLbl="node1" presStyleIdx="2" presStyleCnt="4">
+        <dgm:presLayoutVars>
+          <dgm:chMax val="0"/>
+          <dgm:bulletEnabled val="1"/>
+        </dgm:presLayoutVars>
+      </dgm:prSet>
+      <dgm:spPr/>
+    </dgm:pt>
+    <dgm:pt modelId="{EDE484FE-B6DC-4EE6-96DB-948F7BF9FCDA}" type="pres">
+      <dgm:prSet presAssocID="{885E2AE8-851C-4A04-97FE-1C342CFC8128}" presName="spacer" presStyleCnt="0"/>
+      <dgm:spPr/>
+    </dgm:pt>
+    <dgm:pt modelId="{23060358-3599-406A-94F0-6F7E6D0532ED}" type="pres">
+      <dgm:prSet presAssocID="{057E84FC-604C-4289-817E-6423100FD9FF}" presName="parentText" presStyleLbl="node1" presStyleIdx="3" presStyleCnt="4">
         <dgm:presLayoutVars>
           <dgm:chMax val="0"/>
           <dgm:bulletEnabled val="1"/>
@@ -5037,7 +5090,9 @@
   </dgm:ptLst>
   <dgm:cxnLst>
     <dgm:cxn modelId="{70F05A5F-4DBF-4D26-A1E1-0E539D751246}" type="presOf" srcId="{DD4068CA-37F4-4758-9CEC-68498C4AE0E8}" destId="{7851929C-BDDE-48A0-B0E7-825AD4DC7B0E}" srcOrd="0" destOrd="0" presId="urn:microsoft.com/office/officeart/2005/8/layout/vList2"/>
+    <dgm:cxn modelId="{FAB3E95F-87F7-49E2-A8CF-6F5C435C59ED}" type="presOf" srcId="{057E84FC-604C-4289-817E-6423100FD9FF}" destId="{23060358-3599-406A-94F0-6F7E6D0532ED}" srcOrd="0" destOrd="0" presId="urn:microsoft.com/office/officeart/2005/8/layout/vList2"/>
     <dgm:cxn modelId="{4603864E-FA20-433A-BFF3-AFFE9EC193EC}" srcId="{4C4C3845-1E83-45EB-8784-CE9538BD43B3}" destId="{F1A43A52-5DF8-40FF-959D-F4DB3B8907C3}" srcOrd="2" destOrd="0" parTransId="{B9988821-9DA0-4FD2-A202-6EA0F6E2EA42}" sibTransId="{885E2AE8-851C-4A04-97FE-1C342CFC8128}"/>
+    <dgm:cxn modelId="{38DAAD73-F88F-467D-B4D8-659EC1686758}" srcId="{4C4C3845-1E83-45EB-8784-CE9538BD43B3}" destId="{057E84FC-604C-4289-817E-6423100FD9FF}" srcOrd="3" destOrd="0" parTransId="{17F00B76-0CE2-463F-AE88-632DC645462D}" sibTransId="{0763E639-441F-4047-A722-952E33054C37}"/>
     <dgm:cxn modelId="{B264C584-F99F-43F2-9FC8-CF016EFD33A3}" type="presOf" srcId="{F1A43A52-5DF8-40FF-959D-F4DB3B8907C3}" destId="{EEA437FF-BBA9-4081-A353-8EED8A9F0744}" srcOrd="0" destOrd="0" presId="urn:microsoft.com/office/officeart/2005/8/layout/vList2"/>
     <dgm:cxn modelId="{3CC06B8D-A0C8-4F30-8D53-9D6FB19B49DC}" srcId="{4C4C3845-1E83-45EB-8784-CE9538BD43B3}" destId="{DD4068CA-37F4-4758-9CEC-68498C4AE0E8}" srcOrd="1" destOrd="0" parTransId="{C56D85E4-9306-4A8B-BCD4-5049EE911B52}" sibTransId="{B9CA0448-862E-450C-94F1-CA9A0E122015}"/>
     <dgm:cxn modelId="{CAF60D98-9601-457B-864E-56195235BB77}" type="presOf" srcId="{4C4C3845-1E83-45EB-8784-CE9538BD43B3}" destId="{4A2F43AF-69A1-45B4-8C01-9D762D669A39}" srcOrd="0" destOrd="0" presId="urn:microsoft.com/office/officeart/2005/8/layout/vList2"/>
@@ -5048,6 +5103,8 @@
     <dgm:cxn modelId="{741F250A-2649-4F41-B5A1-4CF198F28CB4}" type="presParOf" srcId="{4A2F43AF-69A1-45B4-8C01-9D762D669A39}" destId="{7851929C-BDDE-48A0-B0E7-825AD4DC7B0E}" srcOrd="2" destOrd="0" presId="urn:microsoft.com/office/officeart/2005/8/layout/vList2"/>
     <dgm:cxn modelId="{A0059CCC-C1DB-4C78-ABC8-C2896BCD81BE}" type="presParOf" srcId="{4A2F43AF-69A1-45B4-8C01-9D762D669A39}" destId="{9BBF4B24-03D8-4BA1-95F5-CBF8C1EFAF24}" srcOrd="3" destOrd="0" presId="urn:microsoft.com/office/officeart/2005/8/layout/vList2"/>
     <dgm:cxn modelId="{DD08E070-1AB8-4B50-B353-090842825A93}" type="presParOf" srcId="{4A2F43AF-69A1-45B4-8C01-9D762D669A39}" destId="{EEA437FF-BBA9-4081-A353-8EED8A9F0744}" srcOrd="4" destOrd="0" presId="urn:microsoft.com/office/officeart/2005/8/layout/vList2"/>
+    <dgm:cxn modelId="{EF71E7E4-7562-4E73-8D42-AB29C652B084}" type="presParOf" srcId="{4A2F43AF-69A1-45B4-8C01-9D762D669A39}" destId="{EDE484FE-B6DC-4EE6-96DB-948F7BF9FCDA}" srcOrd="5" destOrd="0" presId="urn:microsoft.com/office/officeart/2005/8/layout/vList2"/>
+    <dgm:cxn modelId="{4DC88755-A5DC-47EC-ACB1-758E301A4239}" type="presParOf" srcId="{4A2F43AF-69A1-45B4-8C01-9D762D669A39}" destId="{23060358-3599-406A-94F0-6F7E6D0532ED}" srcOrd="6" destOrd="0" presId="urn:microsoft.com/office/officeart/2005/8/layout/vList2"/>
   </dgm:cxnLst>
   <dgm:bg/>
   <dgm:whole/>
@@ -5123,7 +5180,7 @@
           </a:pPr>
           <a:r>
             <a:rPr lang="pt-PT" dirty="0"/>
-            <a:t>Calculo da carteira</a:t>
+            <a:t>Cálculo da carteira</a:t>
           </a:r>
         </a:p>
       </dgm:t>
@@ -5163,15 +5220,7 @@
           </a:pPr>
           <a:r>
             <a:rPr lang="pt-PT" dirty="0"/>
-            <a:t>Inicio e fim do Jogo (</a:t>
-          </a:r>
-          <a:r>
-            <a:rPr lang="pt-PT" dirty="0" err="1"/>
-            <a:t>gestao</a:t>
-          </a:r>
-          <a:r>
-            <a:rPr lang="pt-PT" dirty="0"/>
-            <a:t> tempo do jogo)</a:t>
+            <a:t>Inicio e fim do Jogo (gestão tempo do jogo)</a:t>
           </a:r>
         </a:p>
       </dgm:t>
@@ -5570,43 +5619,6 @@
         </a:p>
       </dgm:t>
     </dgm:pt>
-    <dgm:pt modelId="{F8532727-B304-4638-9941-7EA6149F9B2E}">
-      <dgm:prSet/>
-      <dgm:spPr/>
-      <dgm:t>
-        <a:bodyPr/>
-        <a:lstStyle/>
-        <a:p>
-          <a:r>
-            <a:rPr lang="pt-PT" dirty="0" err="1"/>
-            <a:t>refreshCoinValue</a:t>
-          </a:r>
-          <a:endParaRPr lang="en-US" dirty="0"/>
-        </a:p>
-      </dgm:t>
-    </dgm:pt>
-    <dgm:pt modelId="{F89E5A8D-9A52-4B1F-9637-7D5CFC3435A1}" type="parTrans" cxnId="{20EA37DD-26B5-47DA-B978-14F0053F9A09}">
-      <dgm:prSet/>
-      <dgm:spPr/>
-      <dgm:t>
-        <a:bodyPr/>
-        <a:lstStyle/>
-        <a:p>
-          <a:endParaRPr lang="en-US"/>
-        </a:p>
-      </dgm:t>
-    </dgm:pt>
-    <dgm:pt modelId="{93850C86-DE1D-49D6-9CEF-A4EA4FFB159D}" type="sibTrans" cxnId="{20EA37DD-26B5-47DA-B978-14F0053F9A09}">
-      <dgm:prSet/>
-      <dgm:spPr/>
-      <dgm:t>
-        <a:bodyPr/>
-        <a:lstStyle/>
-        <a:p>
-          <a:endParaRPr lang="en-US"/>
-        </a:p>
-      </dgm:t>
-    </dgm:pt>
     <dgm:pt modelId="{AC4457F9-E77E-4125-AE0A-6438DF9E4F5C}">
       <dgm:prSet/>
       <dgm:spPr/>
@@ -5659,7 +5671,7 @@
             <a:buChar char=""/>
           </a:pPr>
           <a:r>
-            <a:rPr lang="pt-PT"/>
+            <a:rPr lang="pt-PT" dirty="0"/>
             <a:t>doLogout</a:t>
           </a:r>
         </a:p>
@@ -5819,7 +5831,7 @@
             <a:buChar char=""/>
           </a:pPr>
           <a:r>
-            <a:rPr lang="pt-PT"/>
+            <a:rPr lang="pt-PT" dirty="0"/>
             <a:t>showLeaderBoard</a:t>
           </a:r>
         </a:p>
@@ -5847,6 +5859,43 @@
         </a:p>
       </dgm:t>
     </dgm:pt>
+    <dgm:pt modelId="{A1B67A71-447C-47E6-B386-3C3774DEAF2B}">
+      <dgm:prSet/>
+      <dgm:spPr/>
+      <dgm:t>
+        <a:bodyPr/>
+        <a:lstStyle/>
+        <a:p>
+          <a:r>
+            <a:rPr lang="pt-PT"/>
+            <a:t>refreshCoinValue</a:t>
+          </a:r>
+          <a:endParaRPr lang="pt-PT" dirty="0"/>
+        </a:p>
+      </dgm:t>
+    </dgm:pt>
+    <dgm:pt modelId="{8ACB8DA0-E335-4E95-B307-6CBBC8CB3059}" type="parTrans" cxnId="{1A654B1C-DD3D-4B8F-974D-4C9BDE1CAB26}">
+      <dgm:prSet/>
+      <dgm:spPr/>
+      <dgm:t>
+        <a:bodyPr/>
+        <a:lstStyle/>
+        <a:p>
+          <a:endParaRPr lang="en-GB"/>
+        </a:p>
+      </dgm:t>
+    </dgm:pt>
+    <dgm:pt modelId="{8BFBF3AD-8443-4E2C-9624-F4F5CE7EB003}" type="sibTrans" cxnId="{1A654B1C-DD3D-4B8F-974D-4C9BDE1CAB26}">
+      <dgm:prSet/>
+      <dgm:spPr/>
+      <dgm:t>
+        <a:bodyPr/>
+        <a:lstStyle/>
+        <a:p>
+          <a:endParaRPr lang="en-GB"/>
+        </a:p>
+      </dgm:t>
+    </dgm:pt>
     <dgm:pt modelId="{4A2F43AF-69A1-45B4-8C01-9D762D669A39}" type="pres">
       <dgm:prSet presAssocID="{4C4C3845-1E83-45EB-8784-CE9538BD43B3}" presName="linear" presStyleCnt="0">
         <dgm:presLayoutVars>
@@ -5856,21 +5905,8 @@
       </dgm:prSet>
       <dgm:spPr/>
     </dgm:pt>
-    <dgm:pt modelId="{3CB57D7F-D4A4-42F3-AEE6-5847300590A1}" type="pres">
-      <dgm:prSet presAssocID="{F8532727-B304-4638-9941-7EA6149F9B2E}" presName="parentText" presStyleLbl="node1" presStyleIdx="0" presStyleCnt="7">
-        <dgm:presLayoutVars>
-          <dgm:chMax val="0"/>
-          <dgm:bulletEnabled val="1"/>
-        </dgm:presLayoutVars>
-      </dgm:prSet>
-      <dgm:spPr/>
-    </dgm:pt>
-    <dgm:pt modelId="{40B90A1C-4517-44D2-97B9-C5C5B0E2289F}" type="pres">
-      <dgm:prSet presAssocID="{93850C86-DE1D-49D6-9CEF-A4EA4FFB159D}" presName="spacer" presStyleCnt="0"/>
-      <dgm:spPr/>
-    </dgm:pt>
     <dgm:pt modelId="{07B7484A-FDBC-48BA-93C1-35BC24233CB4}" type="pres">
-      <dgm:prSet presAssocID="{AC4457F9-E77E-4125-AE0A-6438DF9E4F5C}" presName="parentText" presStyleLbl="node1" presStyleIdx="1" presStyleCnt="7">
+      <dgm:prSet presAssocID="{AC4457F9-E77E-4125-AE0A-6438DF9E4F5C}" presName="parentText" presStyleLbl="node1" presStyleIdx="0" presStyleCnt="7">
         <dgm:presLayoutVars>
           <dgm:chMax val="0"/>
           <dgm:bulletEnabled val="1"/>
@@ -5883,7 +5919,7 @@
       <dgm:spPr/>
     </dgm:pt>
     <dgm:pt modelId="{DE708E69-3FB2-4903-90AD-10062F8EC6E1}" type="pres">
-      <dgm:prSet presAssocID="{91A74F32-037A-4D17-BAF2-C3343F1A3E9D}" presName="parentText" presStyleLbl="node1" presStyleIdx="2" presStyleCnt="7">
+      <dgm:prSet presAssocID="{91A74F32-037A-4D17-BAF2-C3343F1A3E9D}" presName="parentText" presStyleLbl="node1" presStyleIdx="1" presStyleCnt="7">
         <dgm:presLayoutVars>
           <dgm:chMax val="0"/>
           <dgm:bulletEnabled val="1"/>
@@ -5893,6 +5929,19 @@
     </dgm:pt>
     <dgm:pt modelId="{1969E8E2-B556-4F26-8855-A21E7422BA8F}" type="pres">
       <dgm:prSet presAssocID="{2E7DCD6B-6EB5-4932-81A8-9781FA3F4498}" presName="spacer" presStyleCnt="0"/>
+      <dgm:spPr/>
+    </dgm:pt>
+    <dgm:pt modelId="{3DD5BEF1-8DD5-4803-BA88-12EC8E1EEE23}" type="pres">
+      <dgm:prSet presAssocID="{A1B67A71-447C-47E6-B386-3C3774DEAF2B}" presName="parentText" presStyleLbl="node1" presStyleIdx="2" presStyleCnt="7">
+        <dgm:presLayoutVars>
+          <dgm:chMax val="0"/>
+          <dgm:bulletEnabled val="1"/>
+        </dgm:presLayoutVars>
+      </dgm:prSet>
+      <dgm:spPr/>
+    </dgm:pt>
+    <dgm:pt modelId="{DDE91C41-7D02-4FCB-AE81-37192A2A9A55}" type="pres">
+      <dgm:prSet presAssocID="{8BFBF3AD-8443-4E2C-9624-F4F5CE7EB003}" presName="spacer" presStyleCnt="0"/>
       <dgm:spPr/>
     </dgm:pt>
     <dgm:pt modelId="{992AA6B9-1D0E-4A93-A1E2-84A8ED749541}" type="pres">
@@ -5946,26 +5995,26 @@
   </dgm:ptLst>
   <dgm:cxnLst>
     <dgm:cxn modelId="{F69CEA0F-D008-4E55-9ECC-9BF0188AF870}" type="presOf" srcId="{00600DC3-8061-4624-890D-43F68947BFC4}" destId="{52D481A0-36D9-4089-9528-4C167BA86C41}" srcOrd="0" destOrd="0" presId="urn:microsoft.com/office/officeart/2005/8/layout/vList2"/>
-    <dgm:cxn modelId="{70B8A814-D612-4BDB-A7F7-E3513DCEFE58}" type="presOf" srcId="{F8532727-B304-4638-9941-7EA6149F9B2E}" destId="{3CB57D7F-D4A4-42F3-AEE6-5847300590A1}" srcOrd="0" destOrd="0" presId="urn:microsoft.com/office/officeart/2005/8/layout/vList2"/>
+    <dgm:cxn modelId="{1A654B1C-DD3D-4B8F-974D-4C9BDE1CAB26}" srcId="{4C4C3845-1E83-45EB-8784-CE9538BD43B3}" destId="{A1B67A71-447C-47E6-B386-3C3774DEAF2B}" srcOrd="2" destOrd="0" parTransId="{8ACB8DA0-E335-4E95-B307-6CBBC8CB3059}" sibTransId="{8BFBF3AD-8443-4E2C-9624-F4F5CE7EB003}"/>
     <dgm:cxn modelId="{40C4AA34-1299-4E39-B770-129115D9FAB3}" srcId="{4C4C3845-1E83-45EB-8784-CE9538BD43B3}" destId="{00600DC3-8061-4624-890D-43F68947BFC4}" srcOrd="5" destOrd="0" parTransId="{B01BF66A-5C64-44E2-89A7-A8F60C4617A0}" sibTransId="{375B728C-63AC-4A2B-B451-66BF7C7A2DD6}"/>
     <dgm:cxn modelId="{8C6F733A-81B8-4442-A6EA-B84D6806C22C}" srcId="{4C4C3845-1E83-45EB-8784-CE9538BD43B3}" destId="{5771E34C-7D9B-4CAB-BB0D-919DC1460DE8}" srcOrd="3" destOrd="0" parTransId="{E176BCAA-2DE8-40FB-A1C4-DD1A9234897F}" sibTransId="{28DD6BA2-615C-4BB8-A5F5-20A0A4C4DD85}"/>
     <dgm:cxn modelId="{2A40EC5C-EFF9-49FA-B679-C6CA3196C123}" type="presOf" srcId="{AC4457F9-E77E-4125-AE0A-6438DF9E4F5C}" destId="{07B7484A-FDBC-48BA-93C1-35BC24233CB4}" srcOrd="0" destOrd="0" presId="urn:microsoft.com/office/officeart/2005/8/layout/vList2"/>
-    <dgm:cxn modelId="{24D13743-A11E-4626-9B98-1160A90E9B60}" srcId="{4C4C3845-1E83-45EB-8784-CE9538BD43B3}" destId="{91A74F32-037A-4D17-BAF2-C3343F1A3E9D}" srcOrd="2" destOrd="0" parTransId="{C30062A1-B3B2-4E29-B528-430AE53CE055}" sibTransId="{2E7DCD6B-6EB5-4932-81A8-9781FA3F4498}"/>
+    <dgm:cxn modelId="{24D13743-A11E-4626-9B98-1160A90E9B60}" srcId="{4C4C3845-1E83-45EB-8784-CE9538BD43B3}" destId="{91A74F32-037A-4D17-BAF2-C3343F1A3E9D}" srcOrd="1" destOrd="0" parTransId="{C30062A1-B3B2-4E29-B528-430AE53CE055}" sibTransId="{2E7DCD6B-6EB5-4932-81A8-9781FA3F4498}"/>
     <dgm:cxn modelId="{91410746-A43B-4968-A673-54C0CB851DD7}" srcId="{4C4C3845-1E83-45EB-8784-CE9538BD43B3}" destId="{2B1C1DDC-ECEE-4F10-A2B9-3BC833149543}" srcOrd="4" destOrd="0" parTransId="{A0633F55-DB65-4E90-90C4-92B89A8067C9}" sibTransId="{C18CEB05-05A4-4D11-89C6-25094DBC054D}"/>
     <dgm:cxn modelId="{C58CFF68-792F-42E2-BF10-360707EE19A0}" type="presOf" srcId="{4C4C3845-1E83-45EB-8784-CE9538BD43B3}" destId="{4A2F43AF-69A1-45B4-8C01-9D762D669A39}" srcOrd="0" destOrd="0" presId="urn:microsoft.com/office/officeart/2005/8/layout/vList2"/>
     <dgm:cxn modelId="{9777F849-ACF3-4532-B32C-4350723B8810}" type="presOf" srcId="{2B1C1DDC-ECEE-4F10-A2B9-3BC833149543}" destId="{01DB1A72-82B7-40D3-B120-7F7C1F487825}" srcOrd="0" destOrd="0" presId="urn:microsoft.com/office/officeart/2005/8/layout/vList2"/>
     <dgm:cxn modelId="{B24B414B-CA25-42E9-850A-C8C034D62FF8}" type="presOf" srcId="{08A77429-9C21-431D-AB40-B9E264FE1305}" destId="{E7D0A995-7C23-421B-84F5-9CD32317D59E}" srcOrd="0" destOrd="0" presId="urn:microsoft.com/office/officeart/2005/8/layout/vList2"/>
     <dgm:cxn modelId="{C6925895-446C-4D14-9348-AA6866A2DC38}" srcId="{4C4C3845-1E83-45EB-8784-CE9538BD43B3}" destId="{08A77429-9C21-431D-AB40-B9E264FE1305}" srcOrd="6" destOrd="0" parTransId="{52CAFAD6-4388-4BE4-A93C-C6FB6BF3AC27}" sibTransId="{B07CA0E8-2753-4DD4-9E0E-14F2E4950027}"/>
-    <dgm:cxn modelId="{4E2FC3CB-119C-4CDA-9363-40FA766E7FB0}" srcId="{4C4C3845-1E83-45EB-8784-CE9538BD43B3}" destId="{AC4457F9-E77E-4125-AE0A-6438DF9E4F5C}" srcOrd="1" destOrd="0" parTransId="{D4E6D082-D32E-4238-9022-EFAA8BC23E1B}" sibTransId="{29CDE3C9-DAAD-4B9F-B0A8-540750BDBC6F}"/>
-    <dgm:cxn modelId="{20EA37DD-26B5-47DA-B978-14F0053F9A09}" srcId="{4C4C3845-1E83-45EB-8784-CE9538BD43B3}" destId="{F8532727-B304-4638-9941-7EA6149F9B2E}" srcOrd="0" destOrd="0" parTransId="{F89E5A8D-9A52-4B1F-9637-7D5CFC3435A1}" sibTransId="{93850C86-DE1D-49D6-9CEF-A4EA4FFB159D}"/>
+    <dgm:cxn modelId="{74265DB4-D5C7-478C-B903-46B402BAE037}" type="presOf" srcId="{A1B67A71-447C-47E6-B386-3C3774DEAF2B}" destId="{3DD5BEF1-8DD5-4803-BA88-12EC8E1EEE23}" srcOrd="0" destOrd="0" presId="urn:microsoft.com/office/officeart/2005/8/layout/vList2"/>
+    <dgm:cxn modelId="{4E2FC3CB-119C-4CDA-9363-40FA766E7FB0}" srcId="{4C4C3845-1E83-45EB-8784-CE9538BD43B3}" destId="{AC4457F9-E77E-4125-AE0A-6438DF9E4F5C}" srcOrd="0" destOrd="0" parTransId="{D4E6D082-D32E-4238-9022-EFAA8BC23E1B}" sibTransId="{29CDE3C9-DAAD-4B9F-B0A8-540750BDBC6F}"/>
     <dgm:cxn modelId="{29BC55E8-F1D6-4A31-B59B-4EE7C7F744A6}" type="presOf" srcId="{91A74F32-037A-4D17-BAF2-C3343F1A3E9D}" destId="{DE708E69-3FB2-4903-90AD-10062F8EC6E1}" srcOrd="0" destOrd="0" presId="urn:microsoft.com/office/officeart/2005/8/layout/vList2"/>
     <dgm:cxn modelId="{48C551FB-E0A9-493D-B07B-D7552C2E0BD5}" type="presOf" srcId="{5771E34C-7D9B-4CAB-BB0D-919DC1460DE8}" destId="{992AA6B9-1D0E-4A93-A1E2-84A8ED749541}" srcOrd="0" destOrd="0" presId="urn:microsoft.com/office/officeart/2005/8/layout/vList2"/>
-    <dgm:cxn modelId="{0DBD97D4-3A46-4041-9013-3D9532891139}" type="presParOf" srcId="{4A2F43AF-69A1-45B4-8C01-9D762D669A39}" destId="{3CB57D7F-D4A4-42F3-AEE6-5847300590A1}" srcOrd="0" destOrd="0" presId="urn:microsoft.com/office/officeart/2005/8/layout/vList2"/>
-    <dgm:cxn modelId="{EED57568-1872-4F3E-A6E3-64DBDEFEDCFD}" type="presParOf" srcId="{4A2F43AF-69A1-45B4-8C01-9D762D669A39}" destId="{40B90A1C-4517-44D2-97B9-C5C5B0E2289F}" srcOrd="1" destOrd="0" presId="urn:microsoft.com/office/officeart/2005/8/layout/vList2"/>
-    <dgm:cxn modelId="{66ABD006-3442-4BED-ABBE-3FDA32785F31}" type="presParOf" srcId="{4A2F43AF-69A1-45B4-8C01-9D762D669A39}" destId="{07B7484A-FDBC-48BA-93C1-35BC24233CB4}" srcOrd="2" destOrd="0" presId="urn:microsoft.com/office/officeart/2005/8/layout/vList2"/>
-    <dgm:cxn modelId="{02611E49-26C2-41AD-B80C-BB458DC7D483}" type="presParOf" srcId="{4A2F43AF-69A1-45B4-8C01-9D762D669A39}" destId="{F9ECA419-9170-4F63-A8DE-DCB12B8E518C}" srcOrd="3" destOrd="0" presId="urn:microsoft.com/office/officeart/2005/8/layout/vList2"/>
-    <dgm:cxn modelId="{D0AB0E6F-E694-4F00-8681-B6E3D313D558}" type="presParOf" srcId="{4A2F43AF-69A1-45B4-8C01-9D762D669A39}" destId="{DE708E69-3FB2-4903-90AD-10062F8EC6E1}" srcOrd="4" destOrd="0" presId="urn:microsoft.com/office/officeart/2005/8/layout/vList2"/>
-    <dgm:cxn modelId="{7A01773B-07A3-441C-ABB4-D2C71BCD2F59}" type="presParOf" srcId="{4A2F43AF-69A1-45B4-8C01-9D762D669A39}" destId="{1969E8E2-B556-4F26-8855-A21E7422BA8F}" srcOrd="5" destOrd="0" presId="urn:microsoft.com/office/officeart/2005/8/layout/vList2"/>
+    <dgm:cxn modelId="{66ABD006-3442-4BED-ABBE-3FDA32785F31}" type="presParOf" srcId="{4A2F43AF-69A1-45B4-8C01-9D762D669A39}" destId="{07B7484A-FDBC-48BA-93C1-35BC24233CB4}" srcOrd="0" destOrd="0" presId="urn:microsoft.com/office/officeart/2005/8/layout/vList2"/>
+    <dgm:cxn modelId="{02611E49-26C2-41AD-B80C-BB458DC7D483}" type="presParOf" srcId="{4A2F43AF-69A1-45B4-8C01-9D762D669A39}" destId="{F9ECA419-9170-4F63-A8DE-DCB12B8E518C}" srcOrd="1" destOrd="0" presId="urn:microsoft.com/office/officeart/2005/8/layout/vList2"/>
+    <dgm:cxn modelId="{D0AB0E6F-E694-4F00-8681-B6E3D313D558}" type="presParOf" srcId="{4A2F43AF-69A1-45B4-8C01-9D762D669A39}" destId="{DE708E69-3FB2-4903-90AD-10062F8EC6E1}" srcOrd="2" destOrd="0" presId="urn:microsoft.com/office/officeart/2005/8/layout/vList2"/>
+    <dgm:cxn modelId="{7A01773B-07A3-441C-ABB4-D2C71BCD2F59}" type="presParOf" srcId="{4A2F43AF-69A1-45B4-8C01-9D762D669A39}" destId="{1969E8E2-B556-4F26-8855-A21E7422BA8F}" srcOrd="3" destOrd="0" presId="urn:microsoft.com/office/officeart/2005/8/layout/vList2"/>
+    <dgm:cxn modelId="{B95A29CB-1B56-43CC-944F-9C1F2A84390D}" type="presParOf" srcId="{4A2F43AF-69A1-45B4-8C01-9D762D669A39}" destId="{3DD5BEF1-8DD5-4803-BA88-12EC8E1EEE23}" srcOrd="4" destOrd="0" presId="urn:microsoft.com/office/officeart/2005/8/layout/vList2"/>
+    <dgm:cxn modelId="{B9BEB14F-BA87-498D-8D69-577581F4D48C}" type="presParOf" srcId="{4A2F43AF-69A1-45B4-8C01-9D762D669A39}" destId="{DDE91C41-7D02-4FCB-AE81-37192A2A9A55}" srcOrd="5" destOrd="0" presId="urn:microsoft.com/office/officeart/2005/8/layout/vList2"/>
     <dgm:cxn modelId="{9D69E106-2347-4883-8B8F-B35809E381A5}" type="presParOf" srcId="{4A2F43AF-69A1-45B4-8C01-9D762D669A39}" destId="{992AA6B9-1D0E-4A93-A1E2-84A8ED749541}" srcOrd="6" destOrd="0" presId="urn:microsoft.com/office/officeart/2005/8/layout/vList2"/>
     <dgm:cxn modelId="{648B3ADD-08D1-49DB-9177-3C27A4C8CB1B}" type="presParOf" srcId="{4A2F43AF-69A1-45B4-8C01-9D762D669A39}" destId="{4E3E96F2-A733-41DF-8BC6-218DB34BA865}" srcOrd="7" destOrd="0" presId="urn:microsoft.com/office/officeart/2005/8/layout/vList2"/>
     <dgm:cxn modelId="{5C67FB90-01F8-4C37-BD29-334B1887103E}" type="presParOf" srcId="{4A2F43AF-69A1-45B4-8C01-9D762D669A39}" destId="{01DB1A72-82B7-40D3-B120-7F7C1F487825}" srcOrd="8" destOrd="0" presId="urn:microsoft.com/office/officeart/2005/8/layout/vList2"/>
@@ -6407,10 +6456,9 @@
             <a:buChar char=""/>
           </a:pPr>
           <a:r>
-            <a:rPr lang="pt-PT" dirty="0" err="1"/>
-            <a:t>getAccountSummarybuyAction</a:t>
+            <a:rPr lang="pt-PT" dirty="0"/>
+            <a:t>getAccountSummary</a:t>
           </a:r>
-          <a:endParaRPr lang="pt-PT" dirty="0"/>
         </a:p>
       </dgm:t>
     </dgm:pt>
@@ -6477,6 +6525,46 @@
         </a:p>
       </dgm:t>
     </dgm:pt>
+    <dgm:pt modelId="{4492027A-7076-44EB-9AD1-4EFA31714C95}">
+      <dgm:prSet/>
+      <dgm:spPr/>
+      <dgm:t>
+        <a:bodyPr/>
+        <a:lstStyle/>
+        <a:p>
+          <a:pPr>
+            <a:buFont typeface="Symbol" panose="05050102010706020507" pitchFamily="18" charset="2"/>
+            <a:buChar char=""/>
+          </a:pPr>
+          <a:r>
+            <a:rPr lang="pt-PT" dirty="0"/>
+            <a:t>buyAction</a:t>
+          </a:r>
+        </a:p>
+      </dgm:t>
+    </dgm:pt>
+    <dgm:pt modelId="{76F26480-18E1-41E9-A402-F2E9EBB2E389}" type="parTrans" cxnId="{EB36542A-A3D7-4D43-85F3-7D28BF38D605}">
+      <dgm:prSet/>
+      <dgm:spPr/>
+      <dgm:t>
+        <a:bodyPr/>
+        <a:lstStyle/>
+        <a:p>
+          <a:endParaRPr lang="en-GB"/>
+        </a:p>
+      </dgm:t>
+    </dgm:pt>
+    <dgm:pt modelId="{57FBEA83-3402-4484-8ABE-9B93326B476F}" type="sibTrans" cxnId="{EB36542A-A3D7-4D43-85F3-7D28BF38D605}">
+      <dgm:prSet/>
+      <dgm:spPr/>
+      <dgm:t>
+        <a:bodyPr/>
+        <a:lstStyle/>
+        <a:p>
+          <a:endParaRPr lang="en-GB"/>
+        </a:p>
+      </dgm:t>
+    </dgm:pt>
     <dgm:pt modelId="{4A2F43AF-69A1-45B4-8C01-9D762D669A39}" type="pres">
       <dgm:prSet presAssocID="{4C4C3845-1E83-45EB-8784-CE9538BD43B3}" presName="linear" presStyleCnt="0">
         <dgm:presLayoutVars>
@@ -6487,7 +6575,7 @@
       <dgm:spPr/>
     </dgm:pt>
     <dgm:pt modelId="{3CB57D7F-D4A4-42F3-AEE6-5847300590A1}" type="pres">
-      <dgm:prSet presAssocID="{F8532727-B304-4638-9941-7EA6149F9B2E}" presName="parentText" presStyleLbl="node1" presStyleIdx="0" presStyleCnt="7">
+      <dgm:prSet presAssocID="{F8532727-B304-4638-9941-7EA6149F9B2E}" presName="parentText" presStyleLbl="node1" presStyleIdx="0" presStyleCnt="8">
         <dgm:presLayoutVars>
           <dgm:chMax val="0"/>
           <dgm:bulletEnabled val="1"/>
@@ -6500,7 +6588,7 @@
       <dgm:spPr/>
     </dgm:pt>
     <dgm:pt modelId="{A58A28ED-B824-4F1F-9756-DE7B04DE45B6}" type="pres">
-      <dgm:prSet presAssocID="{8E89FE0F-172F-4010-9C24-37AF47271CCF}" presName="parentText" presStyleLbl="node1" presStyleIdx="1" presStyleCnt="7">
+      <dgm:prSet presAssocID="{8E89FE0F-172F-4010-9C24-37AF47271CCF}" presName="parentText" presStyleLbl="node1" presStyleIdx="1" presStyleCnt="8">
         <dgm:presLayoutVars>
           <dgm:chMax val="0"/>
           <dgm:bulletEnabled val="1"/>
@@ -6513,7 +6601,7 @@
       <dgm:spPr/>
     </dgm:pt>
     <dgm:pt modelId="{72BFD86D-C01C-46E1-A2F8-5DAE0F7F4B9A}" type="pres">
-      <dgm:prSet presAssocID="{0421CD48-4DAD-486A-9F15-811FAE7A52B7}" presName="parentText" presStyleLbl="node1" presStyleIdx="2" presStyleCnt="7">
+      <dgm:prSet presAssocID="{0421CD48-4DAD-486A-9F15-811FAE7A52B7}" presName="parentText" presStyleLbl="node1" presStyleIdx="2" presStyleCnt="8">
         <dgm:presLayoutVars>
           <dgm:chMax val="0"/>
           <dgm:bulletEnabled val="1"/>
@@ -6526,7 +6614,7 @@
       <dgm:spPr/>
     </dgm:pt>
     <dgm:pt modelId="{3D4244BE-E3EE-4ADB-A223-028C33822D47}" type="pres">
-      <dgm:prSet presAssocID="{7BA88A32-4526-4DF7-BEDE-048B25D4D5F2}" presName="parentText" presStyleLbl="node1" presStyleIdx="3" presStyleCnt="7">
+      <dgm:prSet presAssocID="{7BA88A32-4526-4DF7-BEDE-048B25D4D5F2}" presName="parentText" presStyleLbl="node1" presStyleIdx="3" presStyleCnt="8">
         <dgm:presLayoutVars>
           <dgm:chMax val="0"/>
           <dgm:bulletEnabled val="1"/>
@@ -6539,7 +6627,7 @@
       <dgm:spPr/>
     </dgm:pt>
     <dgm:pt modelId="{8DCAD486-0D61-4C4A-B994-5DD5BB81FC67}" type="pres">
-      <dgm:prSet presAssocID="{E092095F-48EC-425C-BF84-AB65B419C9AC}" presName="parentText" presStyleLbl="node1" presStyleIdx="4" presStyleCnt="7">
+      <dgm:prSet presAssocID="{E092095F-48EC-425C-BF84-AB65B419C9AC}" presName="parentText" presStyleLbl="node1" presStyleIdx="4" presStyleCnt="8">
         <dgm:presLayoutVars>
           <dgm:chMax val="0"/>
           <dgm:bulletEnabled val="1"/>
@@ -6552,7 +6640,7 @@
       <dgm:spPr/>
     </dgm:pt>
     <dgm:pt modelId="{28977C46-E4AC-4C68-BC95-A0BA9DF180CD}" type="pres">
-      <dgm:prSet presAssocID="{3845F5A6-E2F1-4079-87E8-5B7C2BA39417}" presName="parentText" presStyleLbl="node1" presStyleIdx="5" presStyleCnt="7">
+      <dgm:prSet presAssocID="{3845F5A6-E2F1-4079-87E8-5B7C2BA39417}" presName="parentText" presStyleLbl="node1" presStyleIdx="5" presStyleCnt="8">
         <dgm:presLayoutVars>
           <dgm:chMax val="0"/>
           <dgm:bulletEnabled val="1"/>
@@ -6564,8 +6652,21 @@
       <dgm:prSet presAssocID="{A91DAA49-5832-46D0-A9E2-397128B6211D}" presName="spacer" presStyleCnt="0"/>
       <dgm:spPr/>
     </dgm:pt>
+    <dgm:pt modelId="{3D6544C7-E73D-4368-AA8B-4982DBAFEF2F}" type="pres">
+      <dgm:prSet presAssocID="{4492027A-7076-44EB-9AD1-4EFA31714C95}" presName="parentText" presStyleLbl="node1" presStyleIdx="6" presStyleCnt="8">
+        <dgm:presLayoutVars>
+          <dgm:chMax val="0"/>
+          <dgm:bulletEnabled val="1"/>
+        </dgm:presLayoutVars>
+      </dgm:prSet>
+      <dgm:spPr/>
+    </dgm:pt>
+    <dgm:pt modelId="{BC6FAC41-CB46-4998-9B5B-94665DDB07B7}" type="pres">
+      <dgm:prSet presAssocID="{57FBEA83-3402-4484-8ABE-9B93326B476F}" presName="spacer" presStyleCnt="0"/>
+      <dgm:spPr/>
+    </dgm:pt>
     <dgm:pt modelId="{814F6970-9743-4688-9581-60E1240D0950}" type="pres">
-      <dgm:prSet presAssocID="{729BD1AE-6CB4-485E-AE73-B794C296054F}" presName="parentText" presStyleLbl="node1" presStyleIdx="6" presStyleCnt="7">
+      <dgm:prSet presAssocID="{729BD1AE-6CB4-485E-AE73-B794C296054F}" presName="parentText" presStyleLbl="node1" presStyleIdx="7" presStyleCnt="8">
         <dgm:presLayoutVars>
           <dgm:chMax val="0"/>
           <dgm:bulletEnabled val="1"/>
@@ -6577,6 +6678,8 @@
   <dgm:cxnLst>
     <dgm:cxn modelId="{D0B58100-5C81-40F5-8EFE-253AD5BFB9A0}" type="presOf" srcId="{729BD1AE-6CB4-485E-AE73-B794C296054F}" destId="{814F6970-9743-4688-9581-60E1240D0950}" srcOrd="0" destOrd="0" presId="urn:microsoft.com/office/officeart/2005/8/layout/vList2"/>
     <dgm:cxn modelId="{4A61770B-F879-499A-A97C-8D97F9557DF7}" type="presOf" srcId="{3845F5A6-E2F1-4079-87E8-5B7C2BA39417}" destId="{28977C46-E4AC-4C68-BC95-A0BA9DF180CD}" srcOrd="0" destOrd="0" presId="urn:microsoft.com/office/officeart/2005/8/layout/vList2"/>
+    <dgm:cxn modelId="{EB36542A-A3D7-4D43-85F3-7D28BF38D605}" srcId="{4C4C3845-1E83-45EB-8784-CE9538BD43B3}" destId="{4492027A-7076-44EB-9AD1-4EFA31714C95}" srcOrd="6" destOrd="0" parTransId="{76F26480-18E1-41E9-A402-F2E9EBB2E389}" sibTransId="{57FBEA83-3402-4484-8ABE-9B93326B476F}"/>
+    <dgm:cxn modelId="{1EC5702C-7B72-4A97-BA3D-6C7C1E304256}" type="presOf" srcId="{4492027A-7076-44EB-9AD1-4EFA31714C95}" destId="{3D6544C7-E73D-4368-AA8B-4982DBAFEF2F}" srcOrd="0" destOrd="0" presId="urn:microsoft.com/office/officeart/2005/8/layout/vList2"/>
     <dgm:cxn modelId="{6344723C-76DA-48E7-A0D8-68CFC7F01C46}" srcId="{4C4C3845-1E83-45EB-8784-CE9538BD43B3}" destId="{3845F5A6-E2F1-4079-87E8-5B7C2BA39417}" srcOrd="5" destOrd="0" parTransId="{726EAD24-F754-4C6B-BDF7-DE2838C61A80}" sibTransId="{A91DAA49-5832-46D0-A9E2-397128B6211D}"/>
     <dgm:cxn modelId="{1D85CE48-AD46-4882-ACBA-345CCD99F5C8}" srcId="{4C4C3845-1E83-45EB-8784-CE9538BD43B3}" destId="{7BA88A32-4526-4DF7-BEDE-048B25D4D5F2}" srcOrd="3" destOrd="0" parTransId="{0B21670A-46B3-4697-99EB-EC651109B7B6}" sibTransId="{B4D077FD-C835-4229-8FAE-350707F00B90}"/>
     <dgm:cxn modelId="{0B9D1D7C-5DB7-4EA6-B3A3-F0C66D04A825}" type="presOf" srcId="{0421CD48-4DAD-486A-9F15-811FAE7A52B7}" destId="{72BFD86D-C01C-46E1-A2F8-5DAE0F7F4B9A}" srcOrd="0" destOrd="0" presId="urn:microsoft.com/office/officeart/2005/8/layout/vList2"/>
@@ -6584,7 +6687,7 @@
     <dgm:cxn modelId="{BBFD3D97-2843-4806-A00D-F1EF8A8FE45A}" srcId="{4C4C3845-1E83-45EB-8784-CE9538BD43B3}" destId="{E092095F-48EC-425C-BF84-AB65B419C9AC}" srcOrd="4" destOrd="0" parTransId="{822E460C-03F9-4F57-8BB5-C55BA321D643}" sibTransId="{2D24779D-9283-4034-B804-6FB99402D49B}"/>
     <dgm:cxn modelId="{CAF60D98-9601-457B-864E-56195235BB77}" type="presOf" srcId="{4C4C3845-1E83-45EB-8784-CE9538BD43B3}" destId="{4A2F43AF-69A1-45B4-8C01-9D762D669A39}" srcOrd="0" destOrd="0" presId="urn:microsoft.com/office/officeart/2005/8/layout/vList2"/>
     <dgm:cxn modelId="{87209F9A-4EFA-4695-9D9D-563EB6F14C55}" type="presOf" srcId="{F8532727-B304-4638-9941-7EA6149F9B2E}" destId="{3CB57D7F-D4A4-42F3-AEE6-5847300590A1}" srcOrd="0" destOrd="0" presId="urn:microsoft.com/office/officeart/2005/8/layout/vList2"/>
-    <dgm:cxn modelId="{B14D19B7-FB55-4089-A1AD-A141573D390A}" srcId="{4C4C3845-1E83-45EB-8784-CE9538BD43B3}" destId="{729BD1AE-6CB4-485E-AE73-B794C296054F}" srcOrd="6" destOrd="0" parTransId="{517A4FDD-52AD-4548-99E8-86799088EBFC}" sibTransId="{9C8E455C-5044-447E-A456-03E52C14ECC0}"/>
+    <dgm:cxn modelId="{B14D19B7-FB55-4089-A1AD-A141573D390A}" srcId="{4C4C3845-1E83-45EB-8784-CE9538BD43B3}" destId="{729BD1AE-6CB4-485E-AE73-B794C296054F}" srcOrd="7" destOrd="0" parTransId="{517A4FDD-52AD-4548-99E8-86799088EBFC}" sibTransId="{9C8E455C-5044-447E-A456-03E52C14ECC0}"/>
     <dgm:cxn modelId="{A978C9B7-3B16-4F9F-93CC-A07A4C2BA93D}" type="presOf" srcId="{7BA88A32-4526-4DF7-BEDE-048B25D4D5F2}" destId="{3D4244BE-E3EE-4ADB-A223-028C33822D47}" srcOrd="0" destOrd="0" presId="urn:microsoft.com/office/officeart/2005/8/layout/vList2"/>
     <dgm:cxn modelId="{F01172BF-1B8B-42E2-AF31-92DB0716DB78}" srcId="{4C4C3845-1E83-45EB-8784-CE9538BD43B3}" destId="{0421CD48-4DAD-486A-9F15-811FAE7A52B7}" srcOrd="2" destOrd="0" parTransId="{3640C95F-6E87-48C0-B4B4-881FB156EC25}" sibTransId="{18C9FE35-FF29-4DD8-9184-CBF5C03EC4B0}"/>
     <dgm:cxn modelId="{20EA37DD-26B5-47DA-B978-14F0053F9A09}" srcId="{4C4C3845-1E83-45EB-8784-CE9538BD43B3}" destId="{F8532727-B304-4638-9941-7EA6149F9B2E}" srcOrd="0" destOrd="0" parTransId="{F89E5A8D-9A52-4B1F-9637-7D5CFC3435A1}" sibTransId="{93850C86-DE1D-49D6-9CEF-A4EA4FFB159D}"/>
@@ -6602,7 +6705,9 @@
     <dgm:cxn modelId="{00FFA352-BAF8-461B-A36A-279310E47ACC}" type="presParOf" srcId="{4A2F43AF-69A1-45B4-8C01-9D762D669A39}" destId="{F6BCFA35-3335-40D2-97FF-255A2E73D462}" srcOrd="9" destOrd="0" presId="urn:microsoft.com/office/officeart/2005/8/layout/vList2"/>
     <dgm:cxn modelId="{EEB300E0-FF2C-4EC8-97CF-8E8E9677B4F3}" type="presParOf" srcId="{4A2F43AF-69A1-45B4-8C01-9D762D669A39}" destId="{28977C46-E4AC-4C68-BC95-A0BA9DF180CD}" srcOrd="10" destOrd="0" presId="urn:microsoft.com/office/officeart/2005/8/layout/vList2"/>
     <dgm:cxn modelId="{77D0B7F3-461E-4B9E-AB12-1C02B9FAFE45}" type="presParOf" srcId="{4A2F43AF-69A1-45B4-8C01-9D762D669A39}" destId="{EE037F44-9444-4D4D-ADEC-6B3A4ED43C7A}" srcOrd="11" destOrd="0" presId="urn:microsoft.com/office/officeart/2005/8/layout/vList2"/>
-    <dgm:cxn modelId="{E5E07DF9-A9A9-4A6B-B662-FBE32FBE527F}" type="presParOf" srcId="{4A2F43AF-69A1-45B4-8C01-9D762D669A39}" destId="{814F6970-9743-4688-9581-60E1240D0950}" srcOrd="12" destOrd="0" presId="urn:microsoft.com/office/officeart/2005/8/layout/vList2"/>
+    <dgm:cxn modelId="{C6ED6A00-8065-44E0-B279-8568070DF45E}" type="presParOf" srcId="{4A2F43AF-69A1-45B4-8C01-9D762D669A39}" destId="{3D6544C7-E73D-4368-AA8B-4982DBAFEF2F}" srcOrd="12" destOrd="0" presId="urn:microsoft.com/office/officeart/2005/8/layout/vList2"/>
+    <dgm:cxn modelId="{DEEBCAA9-5108-438C-814F-FC67C9CA5D9B}" type="presParOf" srcId="{4A2F43AF-69A1-45B4-8C01-9D762D669A39}" destId="{BC6FAC41-CB46-4998-9B5B-94665DDB07B7}" srcOrd="13" destOrd="0" presId="urn:microsoft.com/office/officeart/2005/8/layout/vList2"/>
+    <dgm:cxn modelId="{E5E07DF9-A9A9-4A6B-B662-FBE32FBE527F}" type="presParOf" srcId="{4A2F43AF-69A1-45B4-8C01-9D762D669A39}" destId="{814F6970-9743-4688-9581-60E1240D0950}" srcOrd="14" destOrd="0" presId="urn:microsoft.com/office/officeart/2005/8/layout/vList2"/>
   </dgm:cxnLst>
   <dgm:bg/>
   <dgm:whole/>
@@ -6629,8 +6734,8 @@
       </dsp:nvSpPr>
       <dsp:spPr>
         <a:xfrm>
-          <a:off x="0" y="2705"/>
-          <a:ext cx="5508710" cy="1750320"/>
+          <a:off x="0" y="70745"/>
+          <a:ext cx="5508710" cy="1272960"/>
         </a:xfrm>
         <a:prstGeom prst="roundRect">
           <a:avLst/>
@@ -6672,12 +6777,12 @@
         </a:fontRef>
       </dsp:style>
       <dsp:txBody>
-        <a:bodyPr spcFirstLastPara="0" vert="horz" wrap="square" lIns="167640" tIns="167640" rIns="167640" bIns="167640" numCol="1" spcCol="1270" anchor="ctr" anchorCtr="0">
+        <a:bodyPr spcFirstLastPara="0" vert="horz" wrap="square" lIns="121920" tIns="121920" rIns="121920" bIns="121920" numCol="1" spcCol="1270" anchor="ctr" anchorCtr="0">
           <a:noAutofit/>
         </a:bodyPr>
         <a:lstStyle/>
         <a:p>
-          <a:pPr marL="0" lvl="0" indent="0" algn="l" defTabSz="1955800">
+          <a:pPr marL="0" lvl="0" indent="0" algn="l" defTabSz="1422400">
             <a:lnSpc>
               <a:spcPct val="90000"/>
             </a:lnSpc>
@@ -6690,15 +6795,15 @@
             <a:buNone/>
           </a:pPr>
           <a:r>
-            <a:rPr lang="pt-PT" sz="4400" kern="1200" dirty="0"/>
-            <a:t>Grafico com Historico da(s) moeda(s)</a:t>
+            <a:rPr lang="pt-PT" sz="3200" kern="1200" dirty="0"/>
+            <a:t>Gráfico com Histórico da(s) moeda(s)</a:t>
           </a:r>
-          <a:endParaRPr lang="en-US" sz="4400" kern="1200" dirty="0"/>
+          <a:endParaRPr lang="en-US" sz="3200" kern="1200" dirty="0"/>
         </a:p>
       </dsp:txBody>
       <dsp:txXfrm>
-        <a:off x="85444" y="88149"/>
-        <a:ext cx="5337822" cy="1579432"/>
+        <a:off x="62141" y="132886"/>
+        <a:ext cx="5384428" cy="1148678"/>
       </dsp:txXfrm>
     </dsp:sp>
     <dsp:sp modelId="{7851929C-BDDE-48A0-B0E7-825AD4DC7B0E}">
@@ -6708,17 +6813,17 @@
       </dsp:nvSpPr>
       <dsp:spPr>
         <a:xfrm>
-          <a:off x="0" y="1879745"/>
-          <a:ext cx="5508710" cy="1750320"/>
+          <a:off x="0" y="1435865"/>
+          <a:ext cx="5508710" cy="1272960"/>
         </a:xfrm>
         <a:prstGeom prst="roundRect">
           <a:avLst/>
         </a:prstGeom>
         <a:solidFill>
           <a:schemeClr val="accent2">
-            <a:hueOff val="1620045"/>
-            <a:satOff val="225"/>
-            <a:lumOff val="196"/>
+            <a:hueOff val="1080030"/>
+            <a:satOff val="150"/>
+            <a:lumOff val="131"/>
             <a:alphaOff val="0"/>
           </a:schemeClr>
         </a:solidFill>
@@ -6751,12 +6856,12 @@
         </a:fontRef>
       </dsp:style>
       <dsp:txBody>
-        <a:bodyPr spcFirstLastPara="0" vert="horz" wrap="square" lIns="167640" tIns="167640" rIns="167640" bIns="167640" numCol="1" spcCol="1270" anchor="ctr" anchorCtr="0">
+        <a:bodyPr spcFirstLastPara="0" vert="horz" wrap="square" lIns="121920" tIns="121920" rIns="121920" bIns="121920" numCol="1" spcCol="1270" anchor="ctr" anchorCtr="0">
           <a:noAutofit/>
         </a:bodyPr>
         <a:lstStyle/>
         <a:p>
-          <a:pPr marL="0" lvl="0" indent="0" algn="l" defTabSz="1955800">
+          <a:pPr marL="0" lvl="0" indent="0" algn="l" defTabSz="1422400">
             <a:lnSpc>
               <a:spcPct val="90000"/>
             </a:lnSpc>
@@ -6770,14 +6875,14 @@
             <a:buNone/>
           </a:pPr>
           <a:r>
-            <a:rPr lang="pt-PT" sz="4400" kern="1200"/>
-            <a:t>Lucro/Prejuizo atual + Valor carteira</a:t>
+            <a:rPr lang="pt-PT" sz="3200" kern="1200" dirty="0"/>
+            <a:t>Lucro/Prejuízo atual + Valor carteira</a:t>
           </a:r>
         </a:p>
       </dsp:txBody>
       <dsp:txXfrm>
-        <a:off x="85444" y="1965189"/>
-        <a:ext cx="5337822" cy="1579432"/>
+        <a:off x="62141" y="1498006"/>
+        <a:ext cx="5384428" cy="1148678"/>
       </dsp:txXfrm>
     </dsp:sp>
     <dsp:sp modelId="{EEA437FF-BBA9-4081-A353-8EED8A9F0744}">
@@ -6787,8 +6892,87 @@
       </dsp:nvSpPr>
       <dsp:spPr>
         <a:xfrm>
-          <a:off x="0" y="3756786"/>
-          <a:ext cx="5508710" cy="1750320"/>
+          <a:off x="0" y="2800986"/>
+          <a:ext cx="5508710" cy="1272960"/>
+        </a:xfrm>
+        <a:prstGeom prst="roundRect">
+          <a:avLst/>
+        </a:prstGeom>
+        <a:solidFill>
+          <a:schemeClr val="accent2">
+            <a:hueOff val="2160060"/>
+            <a:satOff val="301"/>
+            <a:lumOff val="261"/>
+            <a:alphaOff val="0"/>
+          </a:schemeClr>
+        </a:solidFill>
+        <a:ln w="12700" cap="flat" cmpd="sng" algn="ctr">
+          <a:solidFill>
+            <a:schemeClr val="lt1">
+              <a:hueOff val="0"/>
+              <a:satOff val="0"/>
+              <a:lumOff val="0"/>
+              <a:alphaOff val="0"/>
+            </a:schemeClr>
+          </a:solidFill>
+          <a:prstDash val="solid"/>
+          <a:miter lim="800000"/>
+        </a:ln>
+        <a:effectLst/>
+      </dsp:spPr>
+      <dsp:style>
+        <a:lnRef idx="2">
+          <a:scrgbClr r="0" g="0" b="0"/>
+        </a:lnRef>
+        <a:fillRef idx="1">
+          <a:scrgbClr r="0" g="0" b="0"/>
+        </a:fillRef>
+        <a:effectRef idx="0">
+          <a:scrgbClr r="0" g="0" b="0"/>
+        </a:effectRef>
+        <a:fontRef idx="minor">
+          <a:schemeClr val="lt1"/>
+        </a:fontRef>
+      </dsp:style>
+      <dsp:txBody>
+        <a:bodyPr spcFirstLastPara="0" vert="horz" wrap="square" lIns="121920" tIns="121920" rIns="121920" bIns="121920" numCol="1" spcCol="1270" anchor="ctr" anchorCtr="0">
+          <a:noAutofit/>
+        </a:bodyPr>
+        <a:lstStyle/>
+        <a:p>
+          <a:pPr marL="0" lvl="0" indent="0" algn="l" defTabSz="1422400">
+            <a:lnSpc>
+              <a:spcPct val="90000"/>
+            </a:lnSpc>
+            <a:spcBef>
+              <a:spcPct val="0"/>
+            </a:spcBef>
+            <a:spcAft>
+              <a:spcPct val="35000"/>
+            </a:spcAft>
+            <a:buFont typeface="Courier New" panose="02070309020205020404" pitchFamily="49" charset="0"/>
+            <a:buNone/>
+          </a:pPr>
+          <a:r>
+            <a:rPr lang="pt-PT" sz="3200" kern="1200" dirty="0"/>
+            <a:t>Opções de compra das moedas</a:t>
+          </a:r>
+        </a:p>
+      </dsp:txBody>
+      <dsp:txXfrm>
+        <a:off x="62141" y="2863127"/>
+        <a:ext cx="5384428" cy="1148678"/>
+      </dsp:txXfrm>
+    </dsp:sp>
+    <dsp:sp modelId="{23060358-3599-406A-94F0-6F7E6D0532ED}">
+      <dsp:nvSpPr>
+        <dsp:cNvPr id="0" name=""/>
+        <dsp:cNvSpPr/>
+      </dsp:nvSpPr>
+      <dsp:spPr>
+        <a:xfrm>
+          <a:off x="0" y="4166106"/>
+          <a:ext cx="5508710" cy="1272960"/>
         </a:xfrm>
         <a:prstGeom prst="roundRect">
           <a:avLst/>
@@ -6830,12 +7014,12 @@
         </a:fontRef>
       </dsp:style>
       <dsp:txBody>
-        <a:bodyPr spcFirstLastPara="0" vert="horz" wrap="square" lIns="167640" tIns="167640" rIns="167640" bIns="167640" numCol="1" spcCol="1270" anchor="ctr" anchorCtr="0">
+        <a:bodyPr spcFirstLastPara="0" vert="horz" wrap="square" lIns="121920" tIns="121920" rIns="121920" bIns="121920" numCol="1" spcCol="1270" anchor="ctr" anchorCtr="0">
           <a:noAutofit/>
         </a:bodyPr>
         <a:lstStyle/>
         <a:p>
-          <a:pPr marL="0" lvl="0" indent="0" algn="l" defTabSz="1955800">
+          <a:pPr marL="0" lvl="0" indent="0" algn="l" defTabSz="1422400">
             <a:lnSpc>
               <a:spcPct val="90000"/>
             </a:lnSpc>
@@ -6849,14 +7033,14 @@
             <a:buNone/>
           </a:pPr>
           <a:r>
-            <a:rPr lang="pt-PT" sz="4400" kern="1200" dirty="0"/>
-            <a:t>Opçoes de compra das moedas</a:t>
+            <a:rPr lang="pt-PT" sz="3200" kern="1200" dirty="0"/>
+            <a:t>Timer do Jogo</a:t>
           </a:r>
         </a:p>
       </dsp:txBody>
       <dsp:txXfrm>
-        <a:off x="85444" y="3842230"/>
-        <a:ext cx="5337822" cy="1579432"/>
+        <a:off x="62141" y="4228247"/>
+        <a:ext cx="5384428" cy="1148678"/>
       </dsp:txXfrm>
     </dsp:sp>
   </dsp:spTree>
@@ -7134,7 +7318,7 @@
           </a:pPr>
           <a:r>
             <a:rPr lang="pt-PT" sz="3200" kern="1200" dirty="0"/>
-            <a:t>Calculo da carteira</a:t>
+            <a:t>Cálculo da carteira</a:t>
           </a:r>
         </a:p>
       </dsp:txBody>
@@ -7213,15 +7397,7 @@
           </a:pPr>
           <a:r>
             <a:rPr lang="pt-PT" sz="3200" kern="1200" dirty="0"/>
-            <a:t>Inicio e fim do Jogo (</a:t>
-          </a:r>
-          <a:r>
-            <a:rPr lang="pt-PT" sz="3200" kern="1200" dirty="0" err="1"/>
-            <a:t>gestao</a:t>
-          </a:r>
-          <a:r>
-            <a:rPr lang="pt-PT" sz="3200" kern="1200" dirty="0"/>
-            <a:t> tempo do jogo)</a:t>
+            <a:t>Inicio e fim do Jogo (gestão tempo do jogo)</a:t>
           </a:r>
         </a:p>
       </dsp:txBody>
@@ -7491,7 +7667,7 @@
       <dsp:cNvGrpSpPr/>
     </dsp:nvGrpSpPr>
     <dsp:grpSpPr/>
-    <dsp:sp modelId="{3CB57D7F-D4A4-42F3-AEE6-5847300590A1}">
+    <dsp:sp modelId="{07B7484A-FDBC-48BA-93C1-35BC24233CB4}">
       <dsp:nvSpPr>
         <dsp:cNvPr id="0" name=""/>
         <dsp:cNvSpPr/>
@@ -7556,13 +7732,13 @@
             <a:spcAft>
               <a:spcPct val="35000"/>
             </a:spcAft>
+            <a:buFont typeface="Symbol" panose="05050102010706020507" pitchFamily="18" charset="2"/>
             <a:buNone/>
           </a:pPr>
           <a:r>
-            <a:rPr lang="pt-PT" sz="2900" kern="1200" dirty="0" err="1"/>
-            <a:t>refreshCoinValue</a:t>
+            <a:rPr lang="pt-PT" sz="2900" kern="1200"/>
+            <a:t>doLogin</a:t>
           </a:r>
-          <a:endParaRPr lang="en-US" sz="2900" kern="1200" dirty="0"/>
         </a:p>
       </dsp:txBody>
       <dsp:txXfrm>
@@ -7570,7 +7746,7 @@
         <a:ext cx="5440800" cy="627655"/>
       </dsp:txXfrm>
     </dsp:sp>
-    <dsp:sp modelId="{07B7484A-FDBC-48BA-93C1-35BC24233CB4}">
+    <dsp:sp modelId="{DE708E69-3FB2-4903-90AD-10062F8EC6E1}">
       <dsp:nvSpPr>
         <dsp:cNvPr id="0" name=""/>
         <dsp:cNvSpPr/>
@@ -7639,8 +7815,8 @@
             <a:buNone/>
           </a:pPr>
           <a:r>
-            <a:rPr lang="pt-PT" sz="2900" kern="1200"/>
-            <a:t>doLogin</a:t>
+            <a:rPr lang="pt-PT" sz="2900" kern="1200" dirty="0"/>
+            <a:t>doLogout</a:t>
           </a:r>
         </a:p>
       </dsp:txBody>
@@ -7649,7 +7825,7 @@
         <a:ext cx="5440800" cy="627655"/>
       </dsp:txXfrm>
     </dsp:sp>
-    <dsp:sp modelId="{DE708E69-3FB2-4903-90AD-10062F8EC6E1}">
+    <dsp:sp modelId="{3DD5BEF1-8DD5-4803-BA88-12EC8E1EEE23}">
       <dsp:nvSpPr>
         <dsp:cNvPr id="0" name=""/>
         <dsp:cNvSpPr/>
@@ -7714,13 +7890,13 @@
             <a:spcAft>
               <a:spcPct val="35000"/>
             </a:spcAft>
-            <a:buFont typeface="Symbol" panose="05050102010706020507" pitchFamily="18" charset="2"/>
             <a:buNone/>
           </a:pPr>
           <a:r>
             <a:rPr lang="pt-PT" sz="2900" kern="1200"/>
-            <a:t>doLogout</a:t>
+            <a:t>refreshCoinValue</a:t>
           </a:r>
+          <a:endParaRPr lang="pt-PT" sz="2900" kern="1200" dirty="0"/>
         </a:p>
       </dsp:txBody>
       <dsp:txXfrm>
@@ -8034,7 +8210,7 @@
             <a:buNone/>
           </a:pPr>
           <a:r>
-            <a:rPr lang="pt-PT" sz="2900" kern="1200"/>
+            <a:rPr lang="pt-PT" sz="2900" kern="1200" dirty="0"/>
             <a:t>showLeaderBoard</a:t>
           </a:r>
         </a:p>
@@ -8312,7 +8488,7 @@
       </dsp:nvSpPr>
       <dsp:spPr>
         <a:xfrm>
-          <a:off x="0" y="532806"/>
+          <a:off x="0" y="210426"/>
           <a:ext cx="5508710" cy="575639"/>
         </a:xfrm>
         <a:prstGeom prst="roundRect">
@@ -8380,7 +8556,7 @@
         </a:p>
       </dsp:txBody>
       <dsp:txXfrm>
-        <a:off x="28100" y="560906"/>
+        <a:off x="28100" y="238526"/>
         <a:ext cx="5452510" cy="519439"/>
       </dsp:txXfrm>
     </dsp:sp>
@@ -8391,7 +8567,7 @@
       </dsp:nvSpPr>
       <dsp:spPr>
         <a:xfrm>
-          <a:off x="0" y="1177566"/>
+          <a:off x="0" y="855186"/>
           <a:ext cx="5508710" cy="575639"/>
         </a:xfrm>
         <a:prstGeom prst="roundRect">
@@ -8399,9 +8575,9 @@
         </a:prstGeom>
         <a:solidFill>
           <a:schemeClr val="accent2">
-            <a:hueOff val="540015"/>
-            <a:satOff val="75"/>
-            <a:lumOff val="65"/>
+            <a:hueOff val="462870"/>
+            <a:satOff val="64"/>
+            <a:lumOff val="56"/>
             <a:alphaOff val="0"/>
           </a:schemeClr>
         </a:solidFill>
@@ -8459,7 +8635,7 @@
         </a:p>
       </dsp:txBody>
       <dsp:txXfrm>
-        <a:off x="28100" y="1205666"/>
+        <a:off x="28100" y="883286"/>
         <a:ext cx="5452510" cy="519439"/>
       </dsp:txXfrm>
     </dsp:sp>
@@ -8470,7 +8646,7 @@
       </dsp:nvSpPr>
       <dsp:spPr>
         <a:xfrm>
-          <a:off x="0" y="1822326"/>
+          <a:off x="0" y="1499946"/>
           <a:ext cx="5508710" cy="575639"/>
         </a:xfrm>
         <a:prstGeom prst="roundRect">
@@ -8478,9 +8654,9 @@
         </a:prstGeom>
         <a:solidFill>
           <a:schemeClr val="accent2">
-            <a:hueOff val="1080030"/>
-            <a:satOff val="150"/>
-            <a:lumOff val="131"/>
+            <a:hueOff val="925740"/>
+            <a:satOff val="129"/>
+            <a:lumOff val="112"/>
             <a:alphaOff val="0"/>
           </a:schemeClr>
         </a:solidFill>
@@ -8538,7 +8714,7 @@
         </a:p>
       </dsp:txBody>
       <dsp:txXfrm>
-        <a:off x="28100" y="1850426"/>
+        <a:off x="28100" y="1528046"/>
         <a:ext cx="5452510" cy="519439"/>
       </dsp:txXfrm>
     </dsp:sp>
@@ -8549,7 +8725,7 @@
       </dsp:nvSpPr>
       <dsp:spPr>
         <a:xfrm>
-          <a:off x="0" y="2467086"/>
+          <a:off x="0" y="2144706"/>
           <a:ext cx="5508710" cy="575639"/>
         </a:xfrm>
         <a:prstGeom prst="roundRect">
@@ -8557,9 +8733,9 @@
         </a:prstGeom>
         <a:solidFill>
           <a:schemeClr val="accent2">
-            <a:hueOff val="1620045"/>
-            <a:satOff val="225"/>
-            <a:lumOff val="196"/>
+            <a:hueOff val="1388610"/>
+            <a:satOff val="193"/>
+            <a:lumOff val="168"/>
             <a:alphaOff val="0"/>
           </a:schemeClr>
         </a:solidFill>
@@ -8617,7 +8793,7 @@
         </a:p>
       </dsp:txBody>
       <dsp:txXfrm>
-        <a:off x="28100" y="2495186"/>
+        <a:off x="28100" y="2172806"/>
         <a:ext cx="5452510" cy="519439"/>
       </dsp:txXfrm>
     </dsp:sp>
@@ -8628,7 +8804,7 @@
       </dsp:nvSpPr>
       <dsp:spPr>
         <a:xfrm>
-          <a:off x="0" y="3111846"/>
+          <a:off x="0" y="2789466"/>
           <a:ext cx="5508710" cy="575639"/>
         </a:xfrm>
         <a:prstGeom prst="roundRect">
@@ -8636,9 +8812,9 @@
         </a:prstGeom>
         <a:solidFill>
           <a:schemeClr val="accent2">
-            <a:hueOff val="2160060"/>
-            <a:satOff val="301"/>
-            <a:lumOff val="261"/>
+            <a:hueOff val="1851480"/>
+            <a:satOff val="258"/>
+            <a:lumOff val="224"/>
             <a:alphaOff val="0"/>
           </a:schemeClr>
         </a:solidFill>
@@ -8696,7 +8872,7 @@
         </a:p>
       </dsp:txBody>
       <dsp:txXfrm>
-        <a:off x="28100" y="3139946"/>
+        <a:off x="28100" y="2817566"/>
         <a:ext cx="5452510" cy="519439"/>
       </dsp:txXfrm>
     </dsp:sp>
@@ -8707,7 +8883,7 @@
       </dsp:nvSpPr>
       <dsp:spPr>
         <a:xfrm>
-          <a:off x="0" y="3756606"/>
+          <a:off x="0" y="3434226"/>
           <a:ext cx="5508710" cy="575639"/>
         </a:xfrm>
         <a:prstGeom prst="roundRect">
@@ -8715,9 +8891,9 @@
         </a:prstGeom>
         <a:solidFill>
           <a:schemeClr val="accent2">
-            <a:hueOff val="2700075"/>
-            <a:satOff val="376"/>
-            <a:lumOff val="327"/>
+            <a:hueOff val="2314350"/>
+            <a:satOff val="322"/>
+            <a:lumOff val="280"/>
             <a:alphaOff val="0"/>
           </a:schemeClr>
         </a:solidFill>
@@ -8769,14 +8945,92 @@
             <a:buNone/>
           </a:pPr>
           <a:r>
-            <a:rPr lang="pt-PT" sz="2400" kern="1200" dirty="0" err="1"/>
-            <a:t>getAccountSummarybuyAction</a:t>
+            <a:rPr lang="pt-PT" sz="2400" kern="1200" dirty="0"/>
+            <a:t>getAccountSummary</a:t>
           </a:r>
-          <a:endParaRPr lang="pt-PT" sz="2400" kern="1200" dirty="0"/>
         </a:p>
       </dsp:txBody>
       <dsp:txXfrm>
-        <a:off x="28100" y="3784706"/>
+        <a:off x="28100" y="3462326"/>
+        <a:ext cx="5452510" cy="519439"/>
+      </dsp:txXfrm>
+    </dsp:sp>
+    <dsp:sp modelId="{3D6544C7-E73D-4368-AA8B-4982DBAFEF2F}">
+      <dsp:nvSpPr>
+        <dsp:cNvPr id="0" name=""/>
+        <dsp:cNvSpPr/>
+      </dsp:nvSpPr>
+      <dsp:spPr>
+        <a:xfrm>
+          <a:off x="0" y="4078986"/>
+          <a:ext cx="5508710" cy="575639"/>
+        </a:xfrm>
+        <a:prstGeom prst="roundRect">
+          <a:avLst/>
+        </a:prstGeom>
+        <a:solidFill>
+          <a:schemeClr val="accent2">
+            <a:hueOff val="2777220"/>
+            <a:satOff val="387"/>
+            <a:lumOff val="336"/>
+            <a:alphaOff val="0"/>
+          </a:schemeClr>
+        </a:solidFill>
+        <a:ln w="12700" cap="flat" cmpd="sng" algn="ctr">
+          <a:solidFill>
+            <a:schemeClr val="lt1">
+              <a:hueOff val="0"/>
+              <a:satOff val="0"/>
+              <a:lumOff val="0"/>
+              <a:alphaOff val="0"/>
+            </a:schemeClr>
+          </a:solidFill>
+          <a:prstDash val="solid"/>
+          <a:miter lim="800000"/>
+        </a:ln>
+        <a:effectLst/>
+      </dsp:spPr>
+      <dsp:style>
+        <a:lnRef idx="2">
+          <a:scrgbClr r="0" g="0" b="0"/>
+        </a:lnRef>
+        <a:fillRef idx="1">
+          <a:scrgbClr r="0" g="0" b="0"/>
+        </a:fillRef>
+        <a:effectRef idx="0">
+          <a:scrgbClr r="0" g="0" b="0"/>
+        </a:effectRef>
+        <a:fontRef idx="minor">
+          <a:schemeClr val="lt1"/>
+        </a:fontRef>
+      </dsp:style>
+      <dsp:txBody>
+        <a:bodyPr spcFirstLastPara="0" vert="horz" wrap="square" lIns="91440" tIns="91440" rIns="91440" bIns="91440" numCol="1" spcCol="1270" anchor="ctr" anchorCtr="0">
+          <a:noAutofit/>
+        </a:bodyPr>
+        <a:lstStyle/>
+        <a:p>
+          <a:pPr marL="0" lvl="0" indent="0" algn="l" defTabSz="1066800">
+            <a:lnSpc>
+              <a:spcPct val="90000"/>
+            </a:lnSpc>
+            <a:spcBef>
+              <a:spcPct val="0"/>
+            </a:spcBef>
+            <a:spcAft>
+              <a:spcPct val="35000"/>
+            </a:spcAft>
+            <a:buFont typeface="Symbol" panose="05050102010706020507" pitchFamily="18" charset="2"/>
+            <a:buNone/>
+          </a:pPr>
+          <a:r>
+            <a:rPr lang="pt-PT" sz="2400" kern="1200" dirty="0"/>
+            <a:t>buyAction</a:t>
+          </a:r>
+        </a:p>
+      </dsp:txBody>
+      <dsp:txXfrm>
+        <a:off x="28100" y="4107086"/>
         <a:ext cx="5452510" cy="519439"/>
       </dsp:txXfrm>
     </dsp:sp>
@@ -8787,7 +9041,7 @@
       </dsp:nvSpPr>
       <dsp:spPr>
         <a:xfrm>
-          <a:off x="0" y="4401366"/>
+          <a:off x="0" y="4723746"/>
           <a:ext cx="5508710" cy="575639"/>
         </a:xfrm>
         <a:prstGeom prst="roundRect">
@@ -8856,7 +9110,7 @@
         </a:p>
       </dsp:txBody>
       <dsp:txXfrm>
-        <a:off x="28100" y="4429466"/>
+        <a:off x="28100" y="4751846"/>
         <a:ext cx="5452510" cy="519439"/>
       </dsp:txXfrm>
     </dsp:sp>
@@ -16271,7 +16525,7 @@
           <a:p>
             <a:fld id="{99D0D576-17DE-44AC-BE85-87458BDDBF15}" type="slidenum">
               <a:rPr lang="pt-PT" smtClean="0"/>
-              <a:t>‹nº›</a:t>
+              <a:t>‹#›</a:t>
             </a:fld>
             <a:endParaRPr lang="pt-PT"/>
           </a:p>
@@ -16469,7 +16723,7 @@
           <a:p>
             <a:fld id="{99D0D576-17DE-44AC-BE85-87458BDDBF15}" type="slidenum">
               <a:rPr lang="pt-PT" smtClean="0"/>
-              <a:t>‹nº›</a:t>
+              <a:t>‹#›</a:t>
             </a:fld>
             <a:endParaRPr lang="pt-PT"/>
           </a:p>
@@ -16677,7 +16931,7 @@
           <a:p>
             <a:fld id="{99D0D576-17DE-44AC-BE85-87458BDDBF15}" type="slidenum">
               <a:rPr lang="pt-PT" smtClean="0"/>
-              <a:t>‹nº›</a:t>
+              <a:t>‹#›</a:t>
             </a:fld>
             <a:endParaRPr lang="pt-PT"/>
           </a:p>
@@ -16875,7 +17129,7 @@
           <a:p>
             <a:fld id="{99D0D576-17DE-44AC-BE85-87458BDDBF15}" type="slidenum">
               <a:rPr lang="pt-PT" smtClean="0"/>
-              <a:t>‹nº›</a:t>
+              <a:t>‹#›</a:t>
             </a:fld>
             <a:endParaRPr lang="pt-PT"/>
           </a:p>
@@ -17150,7 +17404,7 @@
           <a:p>
             <a:fld id="{99D0D576-17DE-44AC-BE85-87458BDDBF15}" type="slidenum">
               <a:rPr lang="pt-PT" smtClean="0"/>
-              <a:t>‹nº›</a:t>
+              <a:t>‹#›</a:t>
             </a:fld>
             <a:endParaRPr lang="pt-PT"/>
           </a:p>
@@ -17415,7 +17669,7 @@
           <a:p>
             <a:fld id="{99D0D576-17DE-44AC-BE85-87458BDDBF15}" type="slidenum">
               <a:rPr lang="pt-PT" smtClean="0"/>
-              <a:t>‹nº›</a:t>
+              <a:t>‹#›</a:t>
             </a:fld>
             <a:endParaRPr lang="pt-PT"/>
           </a:p>
@@ -17827,7 +18081,7 @@
           <a:p>
             <a:fld id="{99D0D576-17DE-44AC-BE85-87458BDDBF15}" type="slidenum">
               <a:rPr lang="pt-PT" smtClean="0"/>
-              <a:t>‹nº›</a:t>
+              <a:t>‹#›</a:t>
             </a:fld>
             <a:endParaRPr lang="pt-PT"/>
           </a:p>
@@ -17968,7 +18222,7 @@
           <a:p>
             <a:fld id="{99D0D576-17DE-44AC-BE85-87458BDDBF15}" type="slidenum">
               <a:rPr lang="pt-PT" smtClean="0"/>
-              <a:t>‹nº›</a:t>
+              <a:t>‹#›</a:t>
             </a:fld>
             <a:endParaRPr lang="pt-PT"/>
           </a:p>
@@ -18081,7 +18335,7 @@
           <a:p>
             <a:fld id="{99D0D576-17DE-44AC-BE85-87458BDDBF15}" type="slidenum">
               <a:rPr lang="pt-PT" smtClean="0"/>
-              <a:t>‹nº›</a:t>
+              <a:t>‹#›</a:t>
             </a:fld>
             <a:endParaRPr lang="pt-PT"/>
           </a:p>
@@ -18392,7 +18646,7 @@
           <a:p>
             <a:fld id="{99D0D576-17DE-44AC-BE85-87458BDDBF15}" type="slidenum">
               <a:rPr lang="pt-PT" smtClean="0"/>
-              <a:t>‹nº›</a:t>
+              <a:t>‹#›</a:t>
             </a:fld>
             <a:endParaRPr lang="pt-PT"/>
           </a:p>
@@ -18680,7 +18934,7 @@
           <a:p>
             <a:fld id="{99D0D576-17DE-44AC-BE85-87458BDDBF15}" type="slidenum">
               <a:rPr lang="pt-PT" smtClean="0"/>
-              <a:t>‹nº›</a:t>
+              <a:t>‹#›</a:t>
             </a:fld>
             <a:endParaRPr lang="pt-PT"/>
           </a:p>
@@ -18957,7 +19211,7 @@
           <a:p>
             <a:fld id="{99D0D576-17DE-44AC-BE85-87458BDDBF15}" type="slidenum">
               <a:rPr lang="pt-PT" smtClean="0"/>
-              <a:t>‹nº›</a:t>
+              <a:t>‹#›</a:t>
             </a:fld>
             <a:endParaRPr lang="pt-PT"/>
           </a:p>
@@ -22135,7 +22389,7 @@
             <p:ph idx="1"/>
             <p:extLst>
               <p:ext uri="{D42A27DB-BD31-4B8C-83A1-F6EECF244321}">
-                <p14:modId xmlns:p14="http://schemas.microsoft.com/office/powerpoint/2010/main" val="2056176297"/>
+                <p14:modId xmlns:p14="http://schemas.microsoft.com/office/powerpoint/2010/main" val="2269140792"/>
               </p:ext>
             </p:extLst>
           </p:nvPr>
@@ -25724,7 +25978,7 @@
             <p:ph idx="1"/>
             <p:extLst>
               <p:ext uri="{D42A27DB-BD31-4B8C-83A1-F6EECF244321}">
-                <p14:modId xmlns:p14="http://schemas.microsoft.com/office/powerpoint/2010/main" val="438490244"/>
+                <p14:modId xmlns:p14="http://schemas.microsoft.com/office/powerpoint/2010/main" val="3271597071"/>
               </p:ext>
             </p:extLst>
           </p:nvPr>
@@ -25739,71 +25993,42 @@
           </a:graphicData>
         </a:graphic>
       </p:graphicFrame>
-      <p:sp>
-        <p:nvSpPr>
-          <p:cNvPr id="34" name="Oval 33" descr="Criptomoedas perdem US$ 250 bilhões com crise da Evergrande - Forbes Brasil">
+      <p:pic>
+        <p:nvPicPr>
+          <p:cNvPr id="36" name="Picture 35" descr="Icon&#10;&#10;Description automatically generated">
             <a:extLst>
               <a:ext uri="{FF2B5EF4-FFF2-40B4-BE49-F238E27FC236}">
-                <a16:creationId xmlns:a16="http://schemas.microsoft.com/office/drawing/2014/main" id="{03079415-3FDF-4776-86CE-EC08D8216E93}"/>
+                <a16:creationId xmlns:a16="http://schemas.microsoft.com/office/drawing/2014/main" id="{65CE2B83-D8E9-48D4-8DF4-40CC4D21BB5E}"/>
               </a:ext>
             </a:extLst>
           </p:cNvPr>
-          <p:cNvSpPr/>
+          <p:cNvPicPr>
+            <a:picLocks noChangeAspect="1"/>
+          </p:cNvPicPr>
           <p:nvPr/>
-        </p:nvSpPr>
+        </p:nvPicPr>
+        <p:blipFill>
+          <a:blip r:embed="rId7">
+            <a:extLst>
+              <a:ext uri="{28A0092B-C50C-407E-A947-70E740481C1C}">
+                <a14:useLocalDpi xmlns:a14="http://schemas.microsoft.com/office/drawing/2010/main" val="0"/>
+              </a:ext>
+            </a:extLst>
+          </a:blip>
+          <a:stretch>
+            <a:fillRect/>
+          </a:stretch>
+        </p:blipFill>
         <p:spPr>
           <a:xfrm>
-            <a:off x="662534" y="2700832"/>
-            <a:ext cx="1906643" cy="1835788"/>
+            <a:off x="586289" y="2610015"/>
+            <a:ext cx="2028924" cy="2028924"/>
           </a:xfrm>
-          <a:prstGeom prst="ellipse">
+          <a:prstGeom prst="rect">
             <a:avLst/>
           </a:prstGeom>
-          <a:blipFill>
-            <a:blip r:embed="rId7">
-              <a:extLst>
-                <a:ext uri="{28A0092B-C50C-407E-A947-70E740481C1C}">
-                  <a14:useLocalDpi xmlns:a14="http://schemas.microsoft.com/office/drawing/2010/main" val="0"/>
-                </a:ext>
-              </a:extLst>
-            </a:blip>
-            <a:srcRect/>
-            <a:stretch>
-              <a:fillRect l="-25000" r="-25000"/>
-            </a:stretch>
-          </a:blipFill>
         </p:spPr>
-        <p:style>
-          <a:lnRef idx="2">
-            <a:schemeClr val="lt1">
-              <a:hueOff val="0"/>
-              <a:satOff val="0"/>
-              <a:lumOff val="0"/>
-              <a:alphaOff val="0"/>
-            </a:schemeClr>
-          </a:lnRef>
-          <a:fillRef idx="1">
-            <a:scrgbClr r="0" g="0" b="0"/>
-          </a:fillRef>
-          <a:effectRef idx="0">
-            <a:schemeClr val="accent1">
-              <a:tint val="50000"/>
-              <a:hueOff val="0"/>
-              <a:satOff val="0"/>
-              <a:lumOff val="0"/>
-              <a:alphaOff val="0"/>
-            </a:schemeClr>
-          </a:effectRef>
-          <a:fontRef idx="minor">
-            <a:schemeClr val="lt1">
-              <a:hueOff val="0"/>
-              <a:satOff val="0"/>
-              <a:lumOff val="0"/>
-              <a:alphaOff val="0"/>
-            </a:schemeClr>
-          </a:fontRef>
-        </p:style>
-      </p:sp>
+      </p:pic>
     </p:spTree>
     <p:extLst>
       <p:ext uri="{BB962C8B-B14F-4D97-AF65-F5344CB8AC3E}">
@@ -25820,6 +26045,14 @@
 <file path=ppt/slides/slide14.xml><?xml version="1.0" encoding="utf-8"?>
 <p:sld xmlns:a="http://schemas.openxmlformats.org/drawingml/2006/main" xmlns:r="http://schemas.openxmlformats.org/officeDocument/2006/relationships" xmlns:p="http://schemas.openxmlformats.org/presentationml/2006/main">
   <p:cSld>
+    <p:bg>
+      <p:bgPr>
+        <a:solidFill>
+          <a:schemeClr val="bg1"/>
+        </a:solidFill>
+        <a:effectLst/>
+      </p:bgPr>
+    </p:bg>
     <p:spTree>
       <p:nvGrpSpPr>
         <p:cNvPr id="1" name=""/>
@@ -25834,12 +26067,473 @@
           <a:chExt cx="0" cy="0"/>
         </a:xfrm>
       </p:grpSpPr>
+      <p:sp useBgFill="1">
+        <p:nvSpPr>
+          <p:cNvPr id="7" name="Rectangle 6">
+            <a:extLst>
+              <a:ext uri="{FF2B5EF4-FFF2-40B4-BE49-F238E27FC236}">
+                <a16:creationId xmlns:a16="http://schemas.microsoft.com/office/drawing/2014/main" id="{DA9C8D46-54D8-4DF1-99A2-E651C7B132F4}"/>
+              </a:ext>
+              <a:ext uri="{C183D7F6-B498-43B3-948B-1728B52AA6E4}">
+                <adec:decorative xmlns:adec="http://schemas.microsoft.com/office/drawing/2017/decorative" val="1"/>
+              </a:ext>
+            </a:extLst>
+          </p:cNvPr>
+          <p:cNvSpPr>
+            <a:spLocks noGrp="1" noRot="1" noChangeAspect="1" noMove="1" noResize="1" noEditPoints="1" noAdjustHandles="1" noChangeArrowheads="1" noChangeShapeType="1" noTextEdit="1"/>
+          </p:cNvSpPr>
+          <p:nvPr>
+            <p:extLst>
+              <p:ext uri="{386F3935-93C4-4BCD-93E2-E3B085C9AB24}">
+                <p16:designElem xmlns:p16="http://schemas.microsoft.com/office/powerpoint/2015/main" val="1"/>
+              </p:ext>
+            </p:extLst>
+          </p:nvPr>
+        </p:nvSpPr>
+        <p:spPr>
+          <a:xfrm>
+            <a:off x="0" y="0"/>
+            <a:ext cx="12192000" cy="6858000"/>
+          </a:xfrm>
+          <a:prstGeom prst="rect">
+            <a:avLst/>
+          </a:prstGeom>
+          <a:ln w="12700" cap="flat" cmpd="sng" algn="ctr">
+            <a:noFill/>
+            <a:prstDash val="solid"/>
+            <a:miter lim="800000"/>
+          </a:ln>
+          <a:effectLst/>
+          <a:extLst>
+            <a:ext uri="{91240B29-F687-4F45-9708-019B960494DF}">
+              <a14:hiddenLine xmlns:a14="http://schemas.microsoft.com/office/drawing/2010/main" w="12700" cap="flat" cmpd="sng" algn="ctr">
+                <a:solidFill>
+                  <a:schemeClr val="accent1">
+                    <a:shade val="50000"/>
+                  </a:schemeClr>
+                </a:solidFill>
+                <a:prstDash val="solid"/>
+                <a:miter lim="800000"/>
+              </a14:hiddenLine>
+            </a:ext>
+          </a:extLst>
+        </p:spPr>
+        <p:style>
+          <a:lnRef idx="2">
+            <a:schemeClr val="accent1">
+              <a:shade val="50000"/>
+            </a:schemeClr>
+          </a:lnRef>
+          <a:fillRef idx="1">
+            <a:schemeClr val="accent1"/>
+          </a:fillRef>
+          <a:effectRef idx="0">
+            <a:schemeClr val="accent1"/>
+          </a:effectRef>
+          <a:fontRef idx="minor">
+            <a:schemeClr val="lt1"/>
+          </a:fontRef>
+        </p:style>
+        <p:txBody>
+          <a:bodyPr rtlCol="0" anchor="ctr"/>
+          <a:lstStyle/>
+          <a:p>
+            <a:pPr algn="ctr"/>
+            <a:endParaRPr lang="en-US"/>
+          </a:p>
+        </p:txBody>
+      </p:sp>
+      <p:sp>
+        <p:nvSpPr>
+          <p:cNvPr id="9" name="Rectangle 8">
+            <a:extLst>
+              <a:ext uri="{FF2B5EF4-FFF2-40B4-BE49-F238E27FC236}">
+                <a16:creationId xmlns:a16="http://schemas.microsoft.com/office/drawing/2014/main" id="{9715DAF0-AE1B-46C9-8A6B-DB2AA05AB91D}"/>
+              </a:ext>
+              <a:ext uri="{C183D7F6-B498-43B3-948B-1728B52AA6E4}">
+                <adec:decorative xmlns:adec="http://schemas.microsoft.com/office/drawing/2017/decorative" val="1"/>
+              </a:ext>
+            </a:extLst>
+          </p:cNvPr>
+          <p:cNvSpPr>
+            <a:spLocks noGrp="1" noRot="1" noChangeAspect="1" noMove="1" noResize="1" noEditPoints="1" noAdjustHandles="1" noChangeArrowheads="1" noChangeShapeType="1" noTextEdit="1"/>
+          </p:cNvSpPr>
+          <p:nvPr>
+            <p:extLst>
+              <p:ext uri="{386F3935-93C4-4BCD-93E2-E3B085C9AB24}">
+                <p16:designElem xmlns:p16="http://schemas.microsoft.com/office/powerpoint/2015/main" val="1"/>
+              </p:ext>
+            </p:extLst>
+          </p:nvPr>
+        </p:nvSpPr>
+        <p:spPr>
+          <a:xfrm rot="10800000">
+            <a:off x="-1" y="0"/>
+            <a:ext cx="12191999" cy="6858000"/>
+          </a:xfrm>
+          <a:prstGeom prst="rect">
+            <a:avLst/>
+          </a:prstGeom>
+          <a:gradFill>
+            <a:gsLst>
+              <a:gs pos="0">
+                <a:schemeClr val="accent1">
+                  <a:lumMod val="50000"/>
+                </a:schemeClr>
+              </a:gs>
+              <a:gs pos="100000">
+                <a:srgbClr val="000000"/>
+              </a:gs>
+            </a:gsLst>
+            <a:lin ang="9000000" scaled="0"/>
+          </a:gradFill>
+          <a:ln>
+            <a:noFill/>
+          </a:ln>
+        </p:spPr>
+        <p:style>
+          <a:lnRef idx="2">
+            <a:schemeClr val="accent1">
+              <a:shade val="50000"/>
+            </a:schemeClr>
+          </a:lnRef>
+          <a:fillRef idx="1">
+            <a:schemeClr val="accent1"/>
+          </a:fillRef>
+          <a:effectRef idx="0">
+            <a:schemeClr val="accent1"/>
+          </a:effectRef>
+          <a:fontRef idx="minor">
+            <a:schemeClr val="lt1"/>
+          </a:fontRef>
+        </p:style>
+        <p:txBody>
+          <a:bodyPr rtlCol="0" anchor="ctr"/>
+          <a:lstStyle/>
+          <a:p>
+            <a:pPr algn="ctr"/>
+            <a:endParaRPr lang="en-US"/>
+          </a:p>
+        </p:txBody>
+      </p:sp>
+      <p:sp>
+        <p:nvSpPr>
+          <p:cNvPr id="11" name="Freeform: Shape 10">
+            <a:extLst>
+              <a:ext uri="{FF2B5EF4-FFF2-40B4-BE49-F238E27FC236}">
+                <a16:creationId xmlns:a16="http://schemas.microsoft.com/office/drawing/2014/main" id="{DE12BF4D-F47A-41C1-85FC-652E412D3B47}"/>
+              </a:ext>
+              <a:ext uri="{C183D7F6-B498-43B3-948B-1728B52AA6E4}">
+                <adec:decorative xmlns:adec="http://schemas.microsoft.com/office/drawing/2017/decorative" val="1"/>
+              </a:ext>
+            </a:extLst>
+          </p:cNvPr>
+          <p:cNvSpPr>
+            <a:spLocks noGrp="1" noRot="1" noChangeAspect="1" noMove="1" noResize="1" noEditPoints="1" noAdjustHandles="1" noChangeArrowheads="1" noChangeShapeType="1" noTextEdit="1"/>
+          </p:cNvSpPr>
+          <p:nvPr>
+            <p:extLst>
+              <p:ext uri="{386F3935-93C4-4BCD-93E2-E3B085C9AB24}">
+                <p16:designElem xmlns:p16="http://schemas.microsoft.com/office/powerpoint/2015/main" val="1"/>
+              </p:ext>
+            </p:extLst>
+          </p:nvPr>
+        </p:nvSpPr>
+        <p:spPr>
+          <a:xfrm rot="13988591">
+            <a:off x="7897613" y="684022"/>
+            <a:ext cx="5330585" cy="5218721"/>
+          </a:xfrm>
+          <a:custGeom>
+            <a:avLst/>
+            <a:gdLst>
+              <a:gd name="connsiteX0" fmla="*/ 4721855 w 5330585"/>
+              <a:gd name="connsiteY0" fmla="*/ 4361426 h 5218721"/>
+              <a:gd name="connsiteX1" fmla="*/ 3457542 w 5330585"/>
+              <a:gd name="connsiteY1" fmla="*/ 5211667 h 5218721"/>
+              <a:gd name="connsiteX2" fmla="*/ 3430109 w 5330585"/>
+              <a:gd name="connsiteY2" fmla="*/ 5218721 h 5218721"/>
+              <a:gd name="connsiteX3" fmla="*/ 0 w 5330585"/>
+              <a:gd name="connsiteY3" fmla="*/ 2647363 h 5218721"/>
+              <a:gd name="connsiteX4" fmla="*/ 12834 w 5330585"/>
+              <a:gd name="connsiteY4" fmla="*/ 2393199 h 5218721"/>
+              <a:gd name="connsiteX5" fmla="*/ 2664828 w 5330585"/>
+              <a:gd name="connsiteY5" fmla="*/ 0 h 5218721"/>
+              <a:gd name="connsiteX6" fmla="*/ 5330585 w 5330585"/>
+              <a:gd name="connsiteY6" fmla="*/ 2665757 h 5218721"/>
+              <a:gd name="connsiteX7" fmla="*/ 4721855 w 5330585"/>
+              <a:gd name="connsiteY7" fmla="*/ 4361426 h 5218721"/>
+            </a:gdLst>
+            <a:ahLst/>
+            <a:cxnLst>
+              <a:cxn ang="0">
+                <a:pos x="connsiteX0" y="connsiteY0"/>
+              </a:cxn>
+              <a:cxn ang="0">
+                <a:pos x="connsiteX1" y="connsiteY1"/>
+              </a:cxn>
+              <a:cxn ang="0">
+                <a:pos x="connsiteX2" y="connsiteY2"/>
+              </a:cxn>
+              <a:cxn ang="0">
+                <a:pos x="connsiteX3" y="connsiteY3"/>
+              </a:cxn>
+              <a:cxn ang="0">
+                <a:pos x="connsiteX4" y="connsiteY4"/>
+              </a:cxn>
+              <a:cxn ang="0">
+                <a:pos x="connsiteX5" y="connsiteY5"/>
+              </a:cxn>
+              <a:cxn ang="0">
+                <a:pos x="connsiteX6" y="connsiteY6"/>
+              </a:cxn>
+              <a:cxn ang="0">
+                <a:pos x="connsiteX7" y="connsiteY7"/>
+              </a:cxn>
+            </a:cxnLst>
+            <a:rect l="l" t="t" r="r" b="b"/>
+            <a:pathLst>
+              <a:path w="5330585" h="5218721">
+                <a:moveTo>
+                  <a:pt x="4721855" y="4361426"/>
+                </a:moveTo>
+                <a:cubicBezTo>
+                  <a:pt x="4395896" y="4756397"/>
+                  <a:pt x="3958379" y="5055891"/>
+                  <a:pt x="3457542" y="5211667"/>
+                </a:cubicBezTo>
+                <a:lnTo>
+                  <a:pt x="3430109" y="5218721"/>
+                </a:lnTo>
+                <a:lnTo>
+                  <a:pt x="0" y="2647363"/>
+                </a:lnTo>
+                <a:lnTo>
+                  <a:pt x="12834" y="2393199"/>
+                </a:lnTo>
+                <a:cubicBezTo>
+                  <a:pt x="149347" y="1048975"/>
+                  <a:pt x="1284587" y="0"/>
+                  <a:pt x="2664828" y="0"/>
+                </a:cubicBezTo>
+                <a:cubicBezTo>
+                  <a:pt x="4137085" y="0"/>
+                  <a:pt x="5330585" y="1193500"/>
+                  <a:pt x="5330585" y="2665757"/>
+                </a:cubicBezTo>
+                <a:cubicBezTo>
+                  <a:pt x="5330585" y="3309870"/>
+                  <a:pt x="5102142" y="3900626"/>
+                  <a:pt x="4721855" y="4361426"/>
+                </a:cubicBezTo>
+                <a:close/>
+              </a:path>
+            </a:pathLst>
+          </a:custGeom>
+          <a:gradFill>
+            <a:gsLst>
+              <a:gs pos="16000">
+                <a:srgbClr val="000000">
+                  <a:alpha val="41000"/>
+                </a:srgbClr>
+              </a:gs>
+              <a:gs pos="85000">
+                <a:schemeClr val="accent1">
+                  <a:alpha val="25000"/>
+                </a:schemeClr>
+              </a:gs>
+            </a:gsLst>
+            <a:lin ang="14400000" scaled="0"/>
+          </a:gradFill>
+          <a:ln>
+            <a:noFill/>
+          </a:ln>
+        </p:spPr>
+        <p:style>
+          <a:lnRef idx="2">
+            <a:schemeClr val="accent1">
+              <a:shade val="50000"/>
+            </a:schemeClr>
+          </a:lnRef>
+          <a:fillRef idx="1">
+            <a:schemeClr val="accent1"/>
+          </a:fillRef>
+          <a:effectRef idx="0">
+            <a:schemeClr val="accent1"/>
+          </a:effectRef>
+          <a:fontRef idx="minor">
+            <a:schemeClr val="lt1"/>
+          </a:fontRef>
+        </p:style>
+        <p:txBody>
+          <a:bodyPr wrap="square" rtlCol="0" anchor="ctr">
+            <a:noAutofit/>
+          </a:bodyPr>
+          <a:lstStyle/>
+          <a:p>
+            <a:pPr algn="ctr"/>
+            <a:endParaRPr lang="en-US" dirty="0"/>
+          </a:p>
+        </p:txBody>
+      </p:sp>
+      <p:sp>
+        <p:nvSpPr>
+          <p:cNvPr id="13" name="Rectangle 12">
+            <a:extLst>
+              <a:ext uri="{FF2B5EF4-FFF2-40B4-BE49-F238E27FC236}">
+                <a16:creationId xmlns:a16="http://schemas.microsoft.com/office/drawing/2014/main" id="{AAF055B3-1F95-4ABA-BFE4-A58320A8206E}"/>
+              </a:ext>
+              <a:ext uri="{C183D7F6-B498-43B3-948B-1728B52AA6E4}">
+                <adec:decorative xmlns:adec="http://schemas.microsoft.com/office/drawing/2017/decorative" val="1"/>
+              </a:ext>
+            </a:extLst>
+          </p:cNvPr>
+          <p:cNvSpPr>
+            <a:spLocks noGrp="1" noRot="1" noChangeAspect="1" noMove="1" noResize="1" noEditPoints="1" noAdjustHandles="1" noChangeArrowheads="1" noChangeShapeType="1" noTextEdit="1"/>
+          </p:cNvSpPr>
+          <p:nvPr>
+            <p:extLst>
+              <p:ext uri="{386F3935-93C4-4BCD-93E2-E3B085C9AB24}">
+                <p16:designElem xmlns:p16="http://schemas.microsoft.com/office/powerpoint/2015/main" val="1"/>
+              </p:ext>
+            </p:extLst>
+          </p:nvPr>
+        </p:nvSpPr>
+        <p:spPr>
+          <a:xfrm rot="10800000" flipH="1">
+            <a:off x="0" y="0"/>
+            <a:ext cx="12165981" cy="4480890"/>
+          </a:xfrm>
+          <a:prstGeom prst="rect">
+            <a:avLst/>
+          </a:prstGeom>
+          <a:gradFill>
+            <a:gsLst>
+              <a:gs pos="0">
+                <a:schemeClr val="accent1">
+                  <a:lumMod val="75000"/>
+                  <a:alpha val="50000"/>
+                </a:schemeClr>
+              </a:gs>
+              <a:gs pos="99000">
+                <a:srgbClr val="000000">
+                  <a:alpha val="34000"/>
+                </a:srgbClr>
+              </a:gs>
+            </a:gsLst>
+            <a:lin ang="15600000" scaled="0"/>
+          </a:gradFill>
+          <a:ln>
+            <a:noFill/>
+          </a:ln>
+        </p:spPr>
+        <p:style>
+          <a:lnRef idx="2">
+            <a:schemeClr val="accent1">
+              <a:shade val="50000"/>
+            </a:schemeClr>
+          </a:lnRef>
+          <a:fillRef idx="1">
+            <a:schemeClr val="accent1"/>
+          </a:fillRef>
+          <a:effectRef idx="0">
+            <a:schemeClr val="accent1"/>
+          </a:effectRef>
+          <a:fontRef idx="minor">
+            <a:schemeClr val="lt1"/>
+          </a:fontRef>
+        </p:style>
+        <p:txBody>
+          <a:bodyPr rtlCol="0" anchor="ctr"/>
+          <a:lstStyle/>
+          <a:p>
+            <a:pPr algn="ctr"/>
+            <a:endParaRPr lang="en-US"/>
+          </a:p>
+        </p:txBody>
+      </p:sp>
+      <p:sp>
+        <p:nvSpPr>
+          <p:cNvPr id="15" name="Rectangle 14">
+            <a:extLst>
+              <a:ext uri="{FF2B5EF4-FFF2-40B4-BE49-F238E27FC236}">
+                <a16:creationId xmlns:a16="http://schemas.microsoft.com/office/drawing/2014/main" id="{65FBF53F-BBBA-4974-AD72-0E8CD294E50F}"/>
+              </a:ext>
+              <a:ext uri="{C183D7F6-B498-43B3-948B-1728B52AA6E4}">
+                <adec:decorative xmlns:adec="http://schemas.microsoft.com/office/drawing/2017/decorative" val="1"/>
+              </a:ext>
+            </a:extLst>
+          </p:cNvPr>
+          <p:cNvSpPr>
+            <a:spLocks noGrp="1" noRot="1" noChangeAspect="1" noMove="1" noResize="1" noEditPoints="1" noAdjustHandles="1" noChangeArrowheads="1" noChangeShapeType="1" noTextEdit="1"/>
+          </p:cNvSpPr>
+          <p:nvPr>
+            <p:extLst>
+              <p:ext uri="{386F3935-93C4-4BCD-93E2-E3B085C9AB24}">
+                <p16:designElem xmlns:p16="http://schemas.microsoft.com/office/powerpoint/2015/main" val="1"/>
+              </p:ext>
+            </p:extLst>
+          </p:nvPr>
+        </p:nvSpPr>
+        <p:spPr>
+          <a:xfrm rot="10800000">
+            <a:off x="12622" y="-2"/>
+            <a:ext cx="12179371" cy="6400796"/>
+          </a:xfrm>
+          <a:prstGeom prst="rect">
+            <a:avLst/>
+          </a:prstGeom>
+          <a:gradFill>
+            <a:gsLst>
+              <a:gs pos="45000">
+                <a:schemeClr val="accent1">
+                  <a:lumMod val="75000"/>
+                  <a:alpha val="0"/>
+                </a:schemeClr>
+              </a:gs>
+              <a:gs pos="99000">
+                <a:srgbClr val="000000">
+                  <a:alpha val="68000"/>
+                </a:srgbClr>
+              </a:gs>
+            </a:gsLst>
+            <a:lin ang="13800000" scaled="0"/>
+          </a:gradFill>
+          <a:ln>
+            <a:noFill/>
+          </a:ln>
+        </p:spPr>
+        <p:style>
+          <a:lnRef idx="2">
+            <a:schemeClr val="accent1">
+              <a:shade val="50000"/>
+            </a:schemeClr>
+          </a:lnRef>
+          <a:fillRef idx="1">
+            <a:schemeClr val="accent1"/>
+          </a:fillRef>
+          <a:effectRef idx="0">
+            <a:schemeClr val="accent1"/>
+          </a:effectRef>
+          <a:fontRef idx="minor">
+            <a:schemeClr val="lt1"/>
+          </a:fontRef>
+        </p:style>
+        <p:txBody>
+          <a:bodyPr rtlCol="0" anchor="ctr"/>
+          <a:lstStyle/>
+          <a:p>
+            <a:pPr algn="ctr"/>
+            <a:endParaRPr lang="en-US"/>
+          </a:p>
+        </p:txBody>
+      </p:sp>
       <p:sp>
         <p:nvSpPr>
           <p:cNvPr id="2" name="Título 1">
             <a:extLst>
               <a:ext uri="{FF2B5EF4-FFF2-40B4-BE49-F238E27FC236}">
-                <a16:creationId xmlns:a16="http://schemas.microsoft.com/office/drawing/2014/main" id="{56283F63-B8F6-401B-9298-822CFCAAC395}"/>
+                <a16:creationId xmlns:a16="http://schemas.microsoft.com/office/drawing/2014/main" id="{2EE92E65-F777-42C1-ADF2-E88646BB1259}"/>
               </a:ext>
             </a:extLst>
           </p:cNvPr>
@@ -25850,126 +26544,124 @@
             <p:ph type="title"/>
           </p:nvPr>
         </p:nvSpPr>
-        <p:spPr/>
+        <p:spPr>
+          <a:xfrm>
+            <a:off x="4221803" y="1201002"/>
+            <a:ext cx="7208197" cy="2779619"/>
+          </a:xfrm>
+        </p:spPr>
         <p:txBody>
-          <a:bodyPr/>
+          <a:bodyPr vert="horz" lIns="91440" tIns="45720" rIns="91440" bIns="45720" rtlCol="0" anchor="b">
+            <a:normAutofit/>
+          </a:bodyPr>
           <a:lstStyle/>
           <a:p>
             <a:r>
-              <a:rPr lang="pt-PT" dirty="0"/>
-              <a:t>Primeira API</a:t>
+              <a:rPr lang="en-GB" sz="4800" dirty="0" err="1">
+                <a:solidFill>
+                  <a:srgbClr val="FFFFFF"/>
+                </a:solidFill>
+              </a:rPr>
+              <a:t>Questões</a:t>
             </a:r>
+            <a:r>
+              <a:rPr lang="en-GB" sz="4800" dirty="0">
+                <a:solidFill>
+                  <a:srgbClr val="FFFFFF"/>
+                </a:solidFill>
+              </a:rPr>
+              <a:t> ?</a:t>
+            </a:r>
+            <a:endParaRPr lang="en-US" sz="4800" kern="1200" dirty="0">
+              <a:solidFill>
+                <a:srgbClr val="FFFFFF"/>
+              </a:solidFill>
+              <a:latin typeface="+mj-lt"/>
+              <a:ea typeface="+mj-ea"/>
+              <a:cs typeface="+mj-cs"/>
+            </a:endParaRPr>
           </a:p>
         </p:txBody>
       </p:sp>
       <p:sp>
         <p:nvSpPr>
-          <p:cNvPr id="3" name="Marcador de Posição de Conteúdo 2">
+          <p:cNvPr id="17" name="Rectangle 16">
             <a:extLst>
               <a:ext uri="{FF2B5EF4-FFF2-40B4-BE49-F238E27FC236}">
-                <a16:creationId xmlns:a16="http://schemas.microsoft.com/office/drawing/2014/main" id="{52C68BA5-6A2E-437D-882E-6EA6CB9EF1C8}"/>
+                <a16:creationId xmlns:a16="http://schemas.microsoft.com/office/drawing/2014/main" id="{5A2875D7-3769-4291-959E-9FAD764A760C}"/>
+              </a:ext>
+              <a:ext uri="{C183D7F6-B498-43B3-948B-1728B52AA6E4}">
+                <adec:decorative xmlns:adec="http://schemas.microsoft.com/office/drawing/2017/decorative" val="1"/>
               </a:ext>
             </a:extLst>
           </p:cNvPr>
           <p:cNvSpPr>
-            <a:spLocks noGrp="1"/>
+            <a:spLocks noGrp="1" noRot="1" noChangeAspect="1" noMove="1" noResize="1" noEditPoints="1" noAdjustHandles="1" noChangeArrowheads="1" noChangeShapeType="1" noTextEdit="1"/>
           </p:cNvSpPr>
           <p:nvPr>
-            <p:ph idx="1"/>
+            <p:extLst>
+              <p:ext uri="{386F3935-93C4-4BCD-93E2-E3B085C9AB24}">
+                <p16:designElem xmlns:p16="http://schemas.microsoft.com/office/powerpoint/2015/main" val="1"/>
+              </p:ext>
+            </p:extLst>
           </p:nvPr>
         </p:nvSpPr>
-        <p:spPr/>
-        <p:txBody>
-          <a:bodyPr/>
-          <a:lstStyle/>
-          <a:p>
-            <a:r>
-              <a:rPr lang="pt-PT" dirty="0"/>
-              <a:t>Retornar os valores do mercado das </a:t>
-            </a:r>
-            <a:r>
-              <a:rPr lang="pt-PT" dirty="0" err="1"/>
-              <a:t>Crypto</a:t>
-            </a:r>
-            <a:r>
-              <a:rPr lang="pt-PT" dirty="0"/>
-              <a:t>-Moedas</a:t>
-            </a:r>
-          </a:p>
-        </p:txBody>
-      </p:sp>
-      <p:pic>
-        <p:nvPicPr>
-          <p:cNvPr id="4" name="Vídeo 19">
-            <a:extLst>
-              <a:ext uri="{FF2B5EF4-FFF2-40B4-BE49-F238E27FC236}">
-                <a16:creationId xmlns:a16="http://schemas.microsoft.com/office/drawing/2014/main" id="{BE18B0F6-1EDC-4E92-B3FA-A602620FB5A5}"/>
-              </a:ext>
-            </a:extLst>
-          </p:cNvPr>
-          <p:cNvPicPr>
-            <a:picLocks noChangeAspect="1"/>
-          </p:cNvPicPr>
-          <p:nvPr/>
-        </p:nvPicPr>
-        <p:blipFill rotWithShape="1">
-          <a:blip r:embed="rId2"/>
-          <a:srcRect r="1" b="285"/>
-          <a:stretch/>
-        </p:blipFill>
         <p:spPr>
           <a:xfrm>
-            <a:off x="-3047" y="10"/>
-            <a:ext cx="12191999" cy="6857990"/>
+            <a:off x="432461" y="0"/>
+            <a:ext cx="3214360" cy="6858000"/>
           </a:xfrm>
           <a:prstGeom prst="rect">
             <a:avLst/>
           </a:prstGeom>
+          <a:gradFill>
+            <a:gsLst>
+              <a:gs pos="0">
+                <a:srgbClr val="000000">
+                  <a:alpha val="41000"/>
+                </a:srgbClr>
+              </a:gs>
+              <a:gs pos="86000">
+                <a:schemeClr val="accent1">
+                  <a:alpha val="3000"/>
+                </a:schemeClr>
+              </a:gs>
+            </a:gsLst>
+            <a:lin ang="2400000" scaled="0"/>
+          </a:gradFill>
+          <a:ln>
+            <a:noFill/>
+          </a:ln>
         </p:spPr>
-      </p:pic>
-      <p:sp>
-        <p:nvSpPr>
-          <p:cNvPr id="5" name="CaixaDeTexto 4">
-            <a:extLst>
-              <a:ext uri="{FF2B5EF4-FFF2-40B4-BE49-F238E27FC236}">
-                <a16:creationId xmlns:a16="http://schemas.microsoft.com/office/drawing/2014/main" id="{AD64E0F3-6F78-438C-96D5-C188266FAEF9}"/>
-              </a:ext>
-            </a:extLst>
-          </p:cNvPr>
-          <p:cNvSpPr txBox="1"/>
-          <p:nvPr/>
-        </p:nvSpPr>
-        <p:spPr>
-          <a:xfrm>
-            <a:off x="4517873" y="2967335"/>
-            <a:ext cx="3150158" cy="923330"/>
-          </a:xfrm>
-          <a:prstGeom prst="rect">
-            <a:avLst/>
-          </a:prstGeom>
-          <a:noFill/>
-        </p:spPr>
+        <p:style>
+          <a:lnRef idx="2">
+            <a:schemeClr val="accent1">
+              <a:shade val="50000"/>
+            </a:schemeClr>
+          </a:lnRef>
+          <a:fillRef idx="1">
+            <a:schemeClr val="accent1"/>
+          </a:fillRef>
+          <a:effectRef idx="0">
+            <a:schemeClr val="accent1"/>
+          </a:effectRef>
+          <a:fontRef idx="minor">
+            <a:schemeClr val="lt1"/>
+          </a:fontRef>
+        </p:style>
         <p:txBody>
-          <a:bodyPr wrap="none" rtlCol="0">
-            <a:spAutoFit/>
-          </a:bodyPr>
+          <a:bodyPr rtlCol="0" anchor="ctr"/>
           <a:lstStyle/>
           <a:p>
-            <a:r>
-              <a:rPr lang="pt-PT" sz="5400" dirty="0">
-                <a:solidFill>
-                  <a:schemeClr val="bg1"/>
-                </a:solidFill>
-              </a:rPr>
-              <a:t>Questões?</a:t>
-            </a:r>
+            <a:pPr algn="ctr"/>
+            <a:endParaRPr lang="en-US" dirty="0"/>
           </a:p>
         </p:txBody>
       </p:sp>
     </p:spTree>
     <p:extLst>
       <p:ext uri="{BB962C8B-B14F-4D97-AF65-F5344CB8AC3E}">
-        <p14:creationId xmlns:p14="http://schemas.microsoft.com/office/powerpoint/2010/main" val="3810186111"/>
+        <p14:creationId xmlns:p14="http://schemas.microsoft.com/office/powerpoint/2010/main" val="1767124390"/>
       </p:ext>
     </p:extLst>
   </p:cSld>
@@ -26795,15 +27487,7 @@
             </a:pPr>
             <a:r>
               <a:rPr lang="pt-PT" sz="2400" b="1" dirty="0"/>
-              <a:t>Obtenção de data-serie de um período aleatório (1 mês de valores) de uma API dedicada a </a:t>
-            </a:r>
-            <a:r>
-              <a:rPr lang="pt-PT" sz="2400" b="1" dirty="0" err="1"/>
-              <a:t>crypto</a:t>
-            </a:r>
-            <a:r>
-              <a:rPr lang="pt-PT" sz="2400" b="1" dirty="0"/>
-              <a:t> moedas para garantir um jogo justo.</a:t>
+              <a:t>Obtenção de data-series de um período aleatório (1 mês de valores) de uma API dedicada a crypto moedas para garantir um jogo justo.</a:t>
             </a:r>
           </a:p>
           <a:p>
@@ -28506,43 +29190,6 @@
               </a:rPr>
               <a:t>Ferramentas</a:t>
             </a:r>
-          </a:p>
-        </p:txBody>
-      </p:sp>
-      <p:sp>
-        <p:nvSpPr>
-          <p:cNvPr id="3" name="Subtítulo 2">
-            <a:extLst>
-              <a:ext uri="{FF2B5EF4-FFF2-40B4-BE49-F238E27FC236}">
-                <a16:creationId xmlns:a16="http://schemas.microsoft.com/office/drawing/2014/main" id="{EC0DAD20-D703-4EE5-A112-1E7E59BBD08A}"/>
-              </a:ext>
-            </a:extLst>
-          </p:cNvPr>
-          <p:cNvSpPr>
-            <a:spLocks noGrp="1"/>
-          </p:cNvSpPr>
-          <p:nvPr>
-            <p:ph type="subTitle" idx="1"/>
-          </p:nvPr>
-        </p:nvSpPr>
-        <p:spPr>
-          <a:xfrm>
-            <a:off x="660042" y="806824"/>
-            <a:ext cx="2919738" cy="1494117"/>
-          </a:xfrm>
-        </p:spPr>
-        <p:txBody>
-          <a:bodyPr anchor="b">
-            <a:normAutofit/>
-          </a:bodyPr>
-          <a:lstStyle/>
-          <a:p>
-            <a:pPr algn="l"/>
-            <a:endParaRPr lang="pt-PT" sz="2000">
-              <a:solidFill>
-                <a:srgbClr val="FFFFFF"/>
-              </a:solidFill>
-            </a:endParaRPr>
           </a:p>
         </p:txBody>
       </p:sp>
@@ -30301,7 +30948,7 @@
           <a:lstStyle/>
           <a:p>
             <a:r>
-              <a:rPr lang="pt-PT" sz="4800" dirty="0" err="1"/>
+              <a:rPr lang="pt-PT" sz="7200" dirty="0" err="1"/>
               <a:t>Front-End</a:t>
             </a:r>
             <a:endParaRPr lang="pt-PT" sz="4800" dirty="0"/>
@@ -30324,7 +30971,7 @@
             <p:ph idx="1"/>
             <p:extLst>
               <p:ext uri="{D42A27DB-BD31-4B8C-83A1-F6EECF244321}">
-                <p14:modId xmlns:p14="http://schemas.microsoft.com/office/powerpoint/2010/main" val="2463845998"/>
+                <p14:modId xmlns:p14="http://schemas.microsoft.com/office/powerpoint/2010/main" val="2886162841"/>
               </p:ext>
             </p:extLst>
           </p:nvPr>
@@ -32126,7 +32773,7 @@
             <p:ph idx="1"/>
             <p:extLst>
               <p:ext uri="{D42A27DB-BD31-4B8C-83A1-F6EECF244321}">
-                <p14:modId xmlns:p14="http://schemas.microsoft.com/office/powerpoint/2010/main" val="2597317021"/>
+                <p14:modId xmlns:p14="http://schemas.microsoft.com/office/powerpoint/2010/main" val="2686447962"/>
               </p:ext>
             </p:extLst>
           </p:nvPr>
@@ -34537,36 +35184,6 @@
       </p:sp>
       <p:pic>
         <p:nvPicPr>
-          <p:cNvPr id="13" name="Imagem 12">
-            <a:extLst>
-              <a:ext uri="{FF2B5EF4-FFF2-40B4-BE49-F238E27FC236}">
-                <a16:creationId xmlns:a16="http://schemas.microsoft.com/office/drawing/2014/main" id="{11CD8824-5DAD-488D-A0FD-BD4CA0574AC2}"/>
-              </a:ext>
-            </a:extLst>
-          </p:cNvPr>
-          <p:cNvPicPr>
-            <a:picLocks noChangeAspect="1"/>
-          </p:cNvPicPr>
-          <p:nvPr/>
-        </p:nvPicPr>
-        <p:blipFill>
-          <a:blip r:embed="rId2"/>
-          <a:stretch>
-            <a:fillRect/>
-          </a:stretch>
-        </p:blipFill>
-        <p:spPr>
-          <a:xfrm>
-            <a:off x="4360380" y="689602"/>
-            <a:ext cx="3626255" cy="2665297"/>
-          </a:xfrm>
-          <a:prstGeom prst="rect">
-            <a:avLst/>
-          </a:prstGeom>
-        </p:spPr>
-      </p:pic>
-      <p:pic>
-        <p:nvPicPr>
           <p:cNvPr id="17" name="Imagem 16">
             <a:extLst>
               <a:ext uri="{FF2B5EF4-FFF2-40B4-BE49-F238E27FC236}">
@@ -34580,7 +35197,7 @@
           <p:nvPr/>
         </p:nvPicPr>
         <p:blipFill>
-          <a:blip r:embed="rId3"/>
+          <a:blip r:embed="rId2"/>
           <a:stretch>
             <a:fillRect/>
           </a:stretch>
@@ -34610,7 +35227,7 @@
           <p:nvPr/>
         </p:nvPicPr>
         <p:blipFill>
-          <a:blip r:embed="rId4"/>
+          <a:blip r:embed="rId3"/>
           <a:stretch>
             <a:fillRect/>
           </a:stretch>
@@ -34640,7 +35257,7 @@
           <p:nvPr/>
         </p:nvPicPr>
         <p:blipFill>
-          <a:blip r:embed="rId5"/>
+          <a:blip r:embed="rId4"/>
           <a:stretch>
             <a:fillRect/>
           </a:stretch>
@@ -34649,6 +35266,36 @@
           <a:xfrm>
             <a:off x="8164470" y="3608111"/>
             <a:ext cx="3612592" cy="2494972"/>
+          </a:xfrm>
+          <a:prstGeom prst="rect">
+            <a:avLst/>
+          </a:prstGeom>
+        </p:spPr>
+      </p:pic>
+      <p:pic>
+        <p:nvPicPr>
+          <p:cNvPr id="4" name="Picture 3">
+            <a:extLst>
+              <a:ext uri="{FF2B5EF4-FFF2-40B4-BE49-F238E27FC236}">
+                <a16:creationId xmlns:a16="http://schemas.microsoft.com/office/drawing/2014/main" id="{4E4E3627-D1A8-4848-9AAF-A1413B9179B9}"/>
+              </a:ext>
+            </a:extLst>
+          </p:cNvPr>
+          <p:cNvPicPr>
+            <a:picLocks noChangeAspect="1"/>
+          </p:cNvPicPr>
+          <p:nvPr/>
+        </p:nvPicPr>
+        <p:blipFill>
+          <a:blip r:embed="rId5"/>
+          <a:stretch>
+            <a:fillRect/>
+          </a:stretch>
+        </p:blipFill>
+        <p:spPr>
+          <a:xfrm>
+            <a:off x="4360380" y="800100"/>
+            <a:ext cx="3714878" cy="2628900"/>
           </a:xfrm>
           <a:prstGeom prst="rect">
             <a:avLst/>
@@ -34671,7 +35318,7 @@
 <file path=ppt/theme/theme1.xml><?xml version="1.0" encoding="utf-8"?>
 <a:theme xmlns:a="http://schemas.openxmlformats.org/drawingml/2006/main" name="Tema do Office">
   <a:themeElements>
-    <a:clrScheme name="Amarelo-esverdeado">
+    <a:clrScheme name="Green Yellow">
       <a:dk1>
         <a:sysClr val="windowText" lastClr="000000"/>
       </a:dk1>

--- a/Requisitos/CryptoChallenger.pptx
+++ b/Requisitos/CryptoChallenger.pptx
@@ -147,6 +147,10 @@
         <p14:section name="Operaçoes de Negocio" id="{5204AC1A-7B9F-4C7B-B30F-0606D2691304}">
           <p14:sldIdLst>
             <p14:sldId id="274"/>
+          </p14:sldIdLst>
+        </p14:section>
+        <p14:section name="Metodos Associados" id="{99D8584F-98CA-4CB5-8CBD-9A4E0F5399D9}">
+          <p14:sldIdLst>
             <p14:sldId id="275"/>
             <p14:sldId id="273"/>
             <p14:sldId id="270"/>
@@ -4880,6 +4884,7 @@
         <a:bodyPr/>
         <a:lstStyle/>
         <a:p>
+          <a:pPr algn="ctr"/>
           <a:r>
             <a:rPr lang="pt-PT" dirty="0"/>
             <a:t>Gráfico com Histórico da(s) moeda(s)</a:t>
@@ -4917,7 +4922,7 @@
         <a:bodyPr/>
         <a:lstStyle/>
         <a:p>
-          <a:pPr>
+          <a:pPr algn="ctr">
             <a:buFont typeface="Courier New" panose="02070309020205020404" pitchFamily="49" charset="0"/>
             <a:buChar char="o"/>
           </a:pPr>
@@ -4957,7 +4962,7 @@
         <a:bodyPr/>
         <a:lstStyle/>
         <a:p>
-          <a:pPr>
+          <a:pPr algn="ctr">
             <a:buFont typeface="Courier New" panose="02070309020205020404" pitchFamily="49" charset="0"/>
             <a:buChar char="o"/>
           </a:pPr>
@@ -4997,7 +5002,7 @@
         <a:bodyPr/>
         <a:lstStyle/>
         <a:p>
-          <a:pPr>
+          <a:pPr algn="ctr">
             <a:buFont typeface="Courier New" panose="02070309020205020404" pitchFamily="49" charset="0"/>
             <a:buChar char="o"/>
           </a:pPr>
@@ -5137,6 +5142,7 @@
         <a:bodyPr/>
         <a:lstStyle/>
         <a:p>
+          <a:pPr algn="ctr"/>
           <a:r>
             <a:rPr lang="pt-PT" dirty="0"/>
             <a:t>Gestão Utilizadores</a:t>
@@ -5174,7 +5180,7 @@
         <a:bodyPr/>
         <a:lstStyle/>
         <a:p>
-          <a:pPr>
+          <a:pPr algn="ctr">
             <a:buFont typeface="Courier New" panose="02070309020205020404" pitchFamily="49" charset="0"/>
             <a:buChar char="o"/>
           </a:pPr>
@@ -5214,7 +5220,7 @@
         <a:bodyPr/>
         <a:lstStyle/>
         <a:p>
-          <a:pPr>
+          <a:pPr algn="ctr">
             <a:buFont typeface="Courier New" panose="02070309020205020404" pitchFamily="49" charset="0"/>
             <a:buChar char="o"/>
           </a:pPr>
@@ -5254,6 +5260,7 @@
         <a:bodyPr/>
         <a:lstStyle/>
         <a:p>
+          <a:pPr algn="ctr"/>
           <a:r>
             <a:rPr lang="en-US" dirty="0" err="1"/>
             <a:t>Obter</a:t>
@@ -5426,6 +5433,7 @@
         <a:bodyPr/>
         <a:lstStyle/>
         <a:p>
+          <a:pPr algn="ctr"/>
           <a:r>
             <a:rPr lang="pt-PT" dirty="0"/>
             <a:t>Utilizadores</a:t>
@@ -5463,7 +5471,7 @@
         <a:bodyPr/>
         <a:lstStyle/>
         <a:p>
-          <a:pPr>
+          <a:pPr algn="ctr">
             <a:buFont typeface="Courier New" panose="02070309020205020404" pitchFamily="49" charset="0"/>
             <a:buChar char="o"/>
           </a:pPr>
@@ -5503,7 +5511,7 @@
         <a:bodyPr/>
         <a:lstStyle/>
         <a:p>
-          <a:pPr>
+          <a:pPr algn="ctr">
             <a:buFont typeface="Courier New" panose="02070309020205020404" pitchFamily="49" charset="0"/>
             <a:buChar char="o"/>
           </a:pPr>
@@ -6782,7 +6790,7 @@
         </a:bodyPr>
         <a:lstStyle/>
         <a:p>
-          <a:pPr marL="0" lvl="0" indent="0" algn="l" defTabSz="1422400">
+          <a:pPr marL="0" lvl="0" indent="0" algn="ctr" defTabSz="1422400">
             <a:lnSpc>
               <a:spcPct val="90000"/>
             </a:lnSpc>
@@ -6861,7 +6869,7 @@
         </a:bodyPr>
         <a:lstStyle/>
         <a:p>
-          <a:pPr marL="0" lvl="0" indent="0" algn="l" defTabSz="1422400">
+          <a:pPr marL="0" lvl="0" indent="0" algn="ctr" defTabSz="1422400">
             <a:lnSpc>
               <a:spcPct val="90000"/>
             </a:lnSpc>
@@ -6940,7 +6948,7 @@
         </a:bodyPr>
         <a:lstStyle/>
         <a:p>
-          <a:pPr marL="0" lvl="0" indent="0" algn="l" defTabSz="1422400">
+          <a:pPr marL="0" lvl="0" indent="0" algn="ctr" defTabSz="1422400">
             <a:lnSpc>
               <a:spcPct val="90000"/>
             </a:lnSpc>
@@ -7019,7 +7027,7 @@
         </a:bodyPr>
         <a:lstStyle/>
         <a:p>
-          <a:pPr marL="0" lvl="0" indent="0" algn="l" defTabSz="1422400">
+          <a:pPr marL="0" lvl="0" indent="0" algn="ctr" defTabSz="1422400">
             <a:lnSpc>
               <a:spcPct val="90000"/>
             </a:lnSpc>
@@ -7110,7 +7118,7 @@
         </a:bodyPr>
         <a:lstStyle/>
         <a:p>
-          <a:pPr marL="0" lvl="0" indent="0" algn="l" defTabSz="1422400">
+          <a:pPr marL="0" lvl="0" indent="0" algn="ctr" defTabSz="1422400">
             <a:lnSpc>
               <a:spcPct val="90000"/>
             </a:lnSpc>
@@ -7224,7 +7232,7 @@
         </a:bodyPr>
         <a:lstStyle/>
         <a:p>
-          <a:pPr marL="0" lvl="0" indent="0" algn="l" defTabSz="1422400">
+          <a:pPr marL="0" lvl="0" indent="0" algn="ctr" defTabSz="1422400">
             <a:lnSpc>
               <a:spcPct val="90000"/>
             </a:lnSpc>
@@ -7303,7 +7311,7 @@
         </a:bodyPr>
         <a:lstStyle/>
         <a:p>
-          <a:pPr marL="0" lvl="0" indent="0" algn="l" defTabSz="1422400">
+          <a:pPr marL="0" lvl="0" indent="0" algn="ctr" defTabSz="1422400">
             <a:lnSpc>
               <a:spcPct val="90000"/>
             </a:lnSpc>
@@ -7382,7 +7390,7 @@
         </a:bodyPr>
         <a:lstStyle/>
         <a:p>
-          <a:pPr marL="0" lvl="0" indent="0" algn="l" defTabSz="1422400">
+          <a:pPr marL="0" lvl="0" indent="0" algn="ctr" defTabSz="1422400">
             <a:lnSpc>
               <a:spcPct val="90000"/>
             </a:lnSpc>
@@ -7473,7 +7481,7 @@
         </a:bodyPr>
         <a:lstStyle/>
         <a:p>
-          <a:pPr marL="0" lvl="0" indent="0" algn="l" defTabSz="1377950">
+          <a:pPr marL="0" lvl="0" indent="0" algn="ctr" defTabSz="1377950">
             <a:lnSpc>
               <a:spcPct val="90000"/>
             </a:lnSpc>
@@ -7552,7 +7560,7 @@
         </a:bodyPr>
         <a:lstStyle/>
         <a:p>
-          <a:pPr marL="0" lvl="0" indent="0" algn="l" defTabSz="1377950">
+          <a:pPr marL="0" lvl="0" indent="0" algn="ctr" defTabSz="1377950">
             <a:lnSpc>
               <a:spcPct val="90000"/>
             </a:lnSpc>
@@ -7631,7 +7639,7 @@
         </a:bodyPr>
         <a:lstStyle/>
         <a:p>
-          <a:pPr marL="0" lvl="0" indent="0" algn="l" defTabSz="1377950">
+          <a:pPr marL="0" lvl="0" indent="0" algn="ctr" defTabSz="1377950">
             <a:lnSpc>
               <a:spcPct val="90000"/>
             </a:lnSpc>
@@ -16471,7 +16479,7 @@
           <a:p>
             <a:fld id="{5BBFF097-6D62-4D5F-BC80-8E8B51E1F60F}" type="datetimeFigureOut">
               <a:rPr lang="pt-PT" smtClean="0"/>
-              <a:t>30/10/2021</a:t>
+              <a:t>02/11/2021</a:t>
             </a:fld>
             <a:endParaRPr lang="pt-PT"/>
           </a:p>
@@ -16669,7 +16677,7 @@
           <a:p>
             <a:fld id="{5BBFF097-6D62-4D5F-BC80-8E8B51E1F60F}" type="datetimeFigureOut">
               <a:rPr lang="pt-PT" smtClean="0"/>
-              <a:t>30/10/2021</a:t>
+              <a:t>02/11/2021</a:t>
             </a:fld>
             <a:endParaRPr lang="pt-PT"/>
           </a:p>
@@ -16877,7 +16885,7 @@
           <a:p>
             <a:fld id="{5BBFF097-6D62-4D5F-BC80-8E8B51E1F60F}" type="datetimeFigureOut">
               <a:rPr lang="pt-PT" smtClean="0"/>
-              <a:t>30/10/2021</a:t>
+              <a:t>02/11/2021</a:t>
             </a:fld>
             <a:endParaRPr lang="pt-PT"/>
           </a:p>
@@ -17075,7 +17083,7 @@
           <a:p>
             <a:fld id="{5BBFF097-6D62-4D5F-BC80-8E8B51E1F60F}" type="datetimeFigureOut">
               <a:rPr lang="pt-PT" smtClean="0"/>
-              <a:t>30/10/2021</a:t>
+              <a:t>02/11/2021</a:t>
             </a:fld>
             <a:endParaRPr lang="pt-PT"/>
           </a:p>
@@ -17350,7 +17358,7 @@
           <a:p>
             <a:fld id="{5BBFF097-6D62-4D5F-BC80-8E8B51E1F60F}" type="datetimeFigureOut">
               <a:rPr lang="pt-PT" smtClean="0"/>
-              <a:t>30/10/2021</a:t>
+              <a:t>02/11/2021</a:t>
             </a:fld>
             <a:endParaRPr lang="pt-PT"/>
           </a:p>
@@ -17615,7 +17623,7 @@
           <a:p>
             <a:fld id="{5BBFF097-6D62-4D5F-BC80-8E8B51E1F60F}" type="datetimeFigureOut">
               <a:rPr lang="pt-PT" smtClean="0"/>
-              <a:t>30/10/2021</a:t>
+              <a:t>02/11/2021</a:t>
             </a:fld>
             <a:endParaRPr lang="pt-PT"/>
           </a:p>
@@ -18027,7 +18035,7 @@
           <a:p>
             <a:fld id="{5BBFF097-6D62-4D5F-BC80-8E8B51E1F60F}" type="datetimeFigureOut">
               <a:rPr lang="pt-PT" smtClean="0"/>
-              <a:t>30/10/2021</a:t>
+              <a:t>02/11/2021</a:t>
             </a:fld>
             <a:endParaRPr lang="pt-PT"/>
           </a:p>
@@ -18168,7 +18176,7 @@
           <a:p>
             <a:fld id="{5BBFF097-6D62-4D5F-BC80-8E8B51E1F60F}" type="datetimeFigureOut">
               <a:rPr lang="pt-PT" smtClean="0"/>
-              <a:t>30/10/2021</a:t>
+              <a:t>02/11/2021</a:t>
             </a:fld>
             <a:endParaRPr lang="pt-PT"/>
           </a:p>
@@ -18281,7 +18289,7 @@
           <a:p>
             <a:fld id="{5BBFF097-6D62-4D5F-BC80-8E8B51E1F60F}" type="datetimeFigureOut">
               <a:rPr lang="pt-PT" smtClean="0"/>
-              <a:t>30/10/2021</a:t>
+              <a:t>02/11/2021</a:t>
             </a:fld>
             <a:endParaRPr lang="pt-PT"/>
           </a:p>
@@ -18592,7 +18600,7 @@
           <a:p>
             <a:fld id="{5BBFF097-6D62-4D5F-BC80-8E8B51E1F60F}" type="datetimeFigureOut">
               <a:rPr lang="pt-PT" smtClean="0"/>
-              <a:t>30/10/2021</a:t>
+              <a:t>02/11/2021</a:t>
             </a:fld>
             <a:endParaRPr lang="pt-PT"/>
           </a:p>
@@ -18880,7 +18888,7 @@
           <a:p>
             <a:fld id="{5BBFF097-6D62-4D5F-BC80-8E8B51E1F60F}" type="datetimeFigureOut">
               <a:rPr lang="pt-PT" smtClean="0"/>
-              <a:t>30/10/2021</a:t>
+              <a:t>02/11/2021</a:t>
             </a:fld>
             <a:endParaRPr lang="pt-PT"/>
           </a:p>
@@ -19121,7 +19129,7 @@
           <a:p>
             <a:fld id="{5BBFF097-6D62-4D5F-BC80-8E8B51E1F60F}" type="datetimeFigureOut">
               <a:rPr lang="pt-PT" smtClean="0"/>
-              <a:t>30/10/2021</a:t>
+              <a:t>02/11/2021</a:t>
             </a:fld>
             <a:endParaRPr lang="pt-PT"/>
           </a:p>
@@ -28615,10 +28623,10 @@
       </p:pic>
       <p:pic>
         <p:nvPicPr>
-          <p:cNvPr id="5" name="Imagem 4">
+          <p:cNvPr id="4" name="Picture 3">
             <a:extLst>
               <a:ext uri="{FF2B5EF4-FFF2-40B4-BE49-F238E27FC236}">
-                <a16:creationId xmlns:a16="http://schemas.microsoft.com/office/drawing/2014/main" id="{607F8914-A84F-48E1-9339-FA80FF6984A2}"/>
+                <a16:creationId xmlns:a16="http://schemas.microsoft.com/office/drawing/2014/main" id="{73A6A719-1626-4FE6-8BDA-46D4FC7241CF}"/>
               </a:ext>
             </a:extLst>
           </p:cNvPr>
@@ -28627,15 +28635,16 @@
           </p:cNvPicPr>
           <p:nvPr/>
         </p:nvPicPr>
-        <p:blipFill rotWithShape="1">
+        <p:blipFill>
           <a:blip r:embed="rId3"/>
-          <a:srcRect l="6733" t="9181" r="5735" b="3193"/>
-          <a:stretch/>
+          <a:stretch>
+            <a:fillRect/>
+          </a:stretch>
         </p:blipFill>
         <p:spPr>
           <a:xfrm>
-            <a:off x="2023534" y="1845910"/>
-            <a:ext cx="7357532" cy="4605867"/>
+            <a:off x="3028972" y="1622745"/>
+            <a:ext cx="6075629" cy="5185320"/>
           </a:xfrm>
           <a:prstGeom prst="rect">
             <a:avLst/>
@@ -30971,7 +30980,7 @@
             <p:ph idx="1"/>
             <p:extLst>
               <p:ext uri="{D42A27DB-BD31-4B8C-83A1-F6EECF244321}">
-                <p14:modId xmlns:p14="http://schemas.microsoft.com/office/powerpoint/2010/main" val="2886162841"/>
+                <p14:modId xmlns:p14="http://schemas.microsoft.com/office/powerpoint/2010/main" val="973865368"/>
               </p:ext>
             </p:extLst>
           </p:nvPr>
@@ -32773,7 +32782,7 @@
             <p:ph idx="1"/>
             <p:extLst>
               <p:ext uri="{D42A27DB-BD31-4B8C-83A1-F6EECF244321}">
-                <p14:modId xmlns:p14="http://schemas.microsoft.com/office/powerpoint/2010/main" val="2686447962"/>
+                <p14:modId xmlns:p14="http://schemas.microsoft.com/office/powerpoint/2010/main" val="1178820868"/>
               </p:ext>
             </p:extLst>
           </p:nvPr>
@@ -34562,7 +34571,7 @@
             <p:ph idx="1"/>
             <p:extLst>
               <p:ext uri="{D42A27DB-BD31-4B8C-83A1-F6EECF244321}">
-                <p14:modId xmlns:p14="http://schemas.microsoft.com/office/powerpoint/2010/main" val="583445107"/>
+                <p14:modId xmlns:p14="http://schemas.microsoft.com/office/powerpoint/2010/main" val="1521863746"/>
               </p:ext>
             </p:extLst>
           </p:nvPr>
